--- a/slides/synchrotron_radiation_formulas.pptx
+++ b/slides/synchrotron_radiation_formulas.pptx
@@ -5,7 +5,7 @@
     <p:sldMasterId id="2147483648" r:id="rId1"/>
   </p:sldMasterIdLst>
   <p:notesMasterIdLst>
-    <p:notesMasterId r:id="rId18"/>
+    <p:notesMasterId r:id="rId25"/>
   </p:notesMasterIdLst>
   <p:sldIdLst>
     <p:sldId id="476" r:id="rId2"/>
@@ -17,13 +17,20 @@
     <p:sldId id="478" r:id="rId8"/>
     <p:sldId id="463" r:id="rId9"/>
     <p:sldId id="465" r:id="rId10"/>
-    <p:sldId id="480" r:id="rId11"/>
-    <p:sldId id="482" r:id="rId12"/>
-    <p:sldId id="483" r:id="rId13"/>
-    <p:sldId id="484" r:id="rId14"/>
-    <p:sldId id="466" r:id="rId15"/>
-    <p:sldId id="459" r:id="rId16"/>
-    <p:sldId id="450" r:id="rId17"/>
+    <p:sldId id="487" r:id="rId11"/>
+    <p:sldId id="480" r:id="rId12"/>
+    <p:sldId id="482" r:id="rId13"/>
+    <p:sldId id="483" r:id="rId14"/>
+    <p:sldId id="493" r:id="rId15"/>
+    <p:sldId id="466" r:id="rId16"/>
+    <p:sldId id="459" r:id="rId17"/>
+    <p:sldId id="488" r:id="rId18"/>
+    <p:sldId id="450" r:id="rId19"/>
+    <p:sldId id="489" r:id="rId20"/>
+    <p:sldId id="490" r:id="rId21"/>
+    <p:sldId id="491" r:id="rId22"/>
+    <p:sldId id="492" r:id="rId23"/>
+    <p:sldId id="494" r:id="rId24"/>
   </p:sldIdLst>
   <p:sldSz cx="9144000" cy="6858000" type="screen4x3"/>
   <p:notesSz cx="7315200" cy="9601200"/>
@@ -154,7 +161,7 @@
   </p:defaultTextStyle>
   <p:extLst>
     <p:ext uri="{EFAFB233-063F-42B5-8137-9DF3F51BA10A}">
-      <p15:sldGuideLst xmlns="" xmlns:p15="http://schemas.microsoft.com/office/powerpoint/2012/main">
+      <p15:sldGuideLst xmlns:p15="http://schemas.microsoft.com/office/powerpoint/2012/main" xmlns="">
         <p15:guide id="1" orient="horz" pos="2160">
           <p15:clr>
             <a:srgbClr val="A4A3A4"/>
@@ -269,7 +276,7 @@
               <a:pPr>
                 <a:defRPr/>
               </a:pPr>
-              <a:t>04/05/19</a:t>
+              <a:t>10/05/19</a:t>
             </a:fld>
             <a:endParaRPr lang="en-GB"/>
           </a:p>
@@ -771,7 +778,7 @@
               <a:pPr>
                 <a:defRPr/>
               </a:pPr>
-              <a:t>04/05/19</a:t>
+              <a:t>10/05/19</a:t>
             </a:fld>
             <a:endParaRPr lang="en-US"/>
           </a:p>
@@ -963,7 +970,7 @@
               <a:pPr>
                 <a:defRPr/>
               </a:pPr>
-              <a:t>04/05/19</a:t>
+              <a:t>10/05/19</a:t>
             </a:fld>
             <a:endParaRPr lang="en-US"/>
           </a:p>
@@ -1165,7 +1172,7 @@
               <a:pPr>
                 <a:defRPr/>
               </a:pPr>
-              <a:t>04/05/19</a:t>
+              <a:t>10/05/19</a:t>
             </a:fld>
             <a:endParaRPr lang="en-US"/>
           </a:p>
@@ -1424,7 +1431,7 @@
               <a:pPr>
                 <a:defRPr/>
               </a:pPr>
-              <a:t>04/05/19</a:t>
+              <a:t>10/05/19</a:t>
             </a:fld>
             <a:endParaRPr lang="en-US"/>
           </a:p>
@@ -1594,7 +1601,7 @@
               <a:pPr>
                 <a:defRPr/>
               </a:pPr>
-              <a:t>04/05/19</a:t>
+              <a:t>10/05/19</a:t>
             </a:fld>
             <a:endParaRPr lang="en-US"/>
           </a:p>
@@ -1786,7 +1793,7 @@
               <a:pPr>
                 <a:defRPr/>
               </a:pPr>
-              <a:t>04/05/19</a:t>
+              <a:t>10/05/19</a:t>
             </a:fld>
             <a:endParaRPr lang="en-US"/>
           </a:p>
@@ -2054,7 +2061,7 @@
               <a:pPr>
                 <a:defRPr/>
               </a:pPr>
-              <a:t>04/05/19</a:t>
+              <a:t>10/05/19</a:t>
             </a:fld>
             <a:endParaRPr lang="en-US"/>
           </a:p>
@@ -2364,7 +2371,7 @@
               <a:pPr>
                 <a:defRPr/>
               </a:pPr>
-              <a:t>04/05/19</a:t>
+              <a:t>10/05/19</a:t>
             </a:fld>
             <a:endParaRPr lang="en-US"/>
           </a:p>
@@ -2808,7 +2815,7 @@
               <a:pPr>
                 <a:defRPr/>
               </a:pPr>
-              <a:t>04/05/19</a:t>
+              <a:t>10/05/19</a:t>
             </a:fld>
             <a:endParaRPr lang="en-US"/>
           </a:p>
@@ -2948,7 +2955,7 @@
               <a:pPr>
                 <a:defRPr/>
               </a:pPr>
-              <a:t>04/05/19</a:t>
+              <a:t>10/05/19</a:t>
             </a:fld>
             <a:endParaRPr lang="en-US"/>
           </a:p>
@@ -3065,7 +3072,7 @@
               <a:pPr>
                 <a:defRPr/>
               </a:pPr>
-              <a:t>04/05/19</a:t>
+              <a:t>10/05/19</a:t>
             </a:fld>
             <a:endParaRPr lang="en-US"/>
           </a:p>
@@ -3364,7 +3371,7 @@
               <a:pPr>
                 <a:defRPr/>
               </a:pPr>
-              <a:t>04/05/19</a:t>
+              <a:t>10/05/19</a:t>
             </a:fld>
             <a:endParaRPr lang="en-US"/>
           </a:p>
@@ -3642,7 +3649,7 @@
               <a:pPr>
                 <a:defRPr/>
               </a:pPr>
-              <a:t>04/05/19</a:t>
+              <a:t>10/05/19</a:t>
             </a:fld>
             <a:endParaRPr lang="en-US"/>
           </a:p>
@@ -3928,7 +3935,7 @@
               <a:pPr>
                 <a:defRPr/>
               </a:pPr>
-              <a:t>04/05/19</a:t>
+              <a:t>10/05/19</a:t>
             </a:fld>
             <a:endParaRPr lang="en-US"/>
           </a:p>
@@ -4535,6 +4542,78 @@
       </p:grpSpPr>
       <p:sp>
         <p:nvSpPr>
+          <p:cNvPr id="2" name="Title 1"/>
+          <p:cNvSpPr>
+            <a:spLocks noGrp="1"/>
+          </p:cNvSpPr>
+          <p:nvPr>
+            <p:ph type="ctrTitle"/>
+          </p:nvPr>
+        </p:nvSpPr>
+        <p:spPr/>
+        <p:txBody>
+          <a:bodyPr/>
+          <a:lstStyle/>
+          <a:p>
+            <a:r>
+              <a:rPr lang="en-US" dirty="0" smtClean="0"/>
+              <a:t>Lenses</a:t>
+            </a:r>
+            <a:endParaRPr lang="en-US" dirty="0"/>
+          </a:p>
+        </p:txBody>
+      </p:sp>
+      <p:sp>
+        <p:nvSpPr>
+          <p:cNvPr id="3" name="Subtitle 2"/>
+          <p:cNvSpPr>
+            <a:spLocks noGrp="1"/>
+          </p:cNvSpPr>
+          <p:nvPr>
+            <p:ph type="subTitle" idx="1"/>
+          </p:nvPr>
+        </p:nvSpPr>
+        <p:spPr/>
+        <p:txBody>
+          <a:bodyPr/>
+          <a:lstStyle/>
+          <a:p>
+            <a:endParaRPr lang="en-US" dirty="0"/>
+          </a:p>
+        </p:txBody>
+      </p:sp>
+    </p:spTree>
+    <p:extLst>
+      <p:ext uri="{BB962C8B-B14F-4D97-AF65-F5344CB8AC3E}">
+        <p14:creationId xmlns:p14="http://schemas.microsoft.com/office/powerpoint/2010/main" val="406824283"/>
+      </p:ext>
+    </p:extLst>
+  </p:cSld>
+  <p:clrMapOvr>
+    <a:masterClrMapping/>
+  </p:clrMapOvr>
+</p:sld>
+</file>
+
+<file path=ppt/slides/slide11.xml><?xml version="1.0" encoding="utf-8"?>
+<p:sld xmlns:a="http://schemas.openxmlformats.org/drawingml/2006/main" xmlns:r="http://schemas.openxmlformats.org/officeDocument/2006/relationships" xmlns:p="http://schemas.openxmlformats.org/presentationml/2006/main">
+  <p:cSld>
+    <p:spTree>
+      <p:nvGrpSpPr>
+        <p:cNvPr id="1" name=""/>
+        <p:cNvGrpSpPr/>
+        <p:nvPr/>
+      </p:nvGrpSpPr>
+      <p:grpSpPr>
+        <a:xfrm>
+          <a:off x="0" y="0"/>
+          <a:ext cx="0" cy="0"/>
+          <a:chOff x="0" y="0"/>
+          <a:chExt cx="0" cy="0"/>
+        </a:xfrm>
+      </p:grpSpPr>
+      <p:sp>
+        <p:nvSpPr>
           <p:cNvPr id="32" name="Rectangle 31"/>
           <p:cNvSpPr/>
           <p:nvPr/>
@@ -4626,7 +4705,7 @@
             <a:fld id="{733122C9-A0B9-462F-8757-0847AD287B63}" type="slidenum">
               <a:rPr lang="fr-FR" smtClean="0"/>
               <a:pPr/>
-              <a:t>10</a:t>
+              <a:t>11</a:t>
             </a:fld>
             <a:endParaRPr lang="fr-FR" dirty="0"/>
           </a:p>
@@ -5370,110 +5449,34 @@
           <a:noFill/>
         </p:spPr>
       </p:pic>
-      <p:pic>
-        <p:nvPicPr>
-          <p:cNvPr id="49" name="Picture 48"/>
-          <p:cNvPicPr>
-            <a:picLocks noChangeAspect="1"/>
-          </p:cNvPicPr>
-          <p:nvPr/>
-        </p:nvPicPr>
-        <p:blipFill>
-          <a:blip r:embed="rId6" cstate="print"/>
-          <a:stretch>
-            <a:fillRect/>
-          </a:stretch>
-        </p:blipFill>
-        <p:spPr>
-          <a:xfrm rot="10800000">
-            <a:off x="5255403" y="4153935"/>
-            <a:ext cx="1181394" cy="1634339"/>
-          </a:xfrm>
-          <a:prstGeom prst="rect">
-            <a:avLst/>
-          </a:prstGeom>
-        </p:spPr>
-      </p:pic>
-      <p:cxnSp>
-        <p:nvCxnSpPr>
-          <p:cNvPr id="50" name="Straight Arrow Connector 49"/>
-          <p:cNvCxnSpPr/>
-          <p:nvPr/>
-        </p:nvCxnSpPr>
-        <p:spPr>
-          <a:xfrm>
-            <a:off x="6643602" y="4214982"/>
-            <a:ext cx="0" cy="1512245"/>
-          </a:xfrm>
-          <a:prstGeom prst="straightConnector1">
-            <a:avLst/>
-          </a:prstGeom>
-          <a:ln>
-            <a:headEnd type="arrow"/>
-            <a:tailEnd type="arrow"/>
-          </a:ln>
-        </p:spPr>
-        <p:style>
-          <a:lnRef idx="2">
-            <a:schemeClr val="accent1"/>
-          </a:lnRef>
-          <a:fillRef idx="0">
-            <a:schemeClr val="accent1"/>
-          </a:fillRef>
-          <a:effectRef idx="1">
-            <a:schemeClr val="accent1"/>
-          </a:effectRef>
-          <a:fontRef idx="minor">
-            <a:schemeClr val="tx1"/>
-          </a:fontRef>
-        </p:style>
-      </p:cxnSp>
-      <p:pic>
-        <p:nvPicPr>
-          <p:cNvPr id="52" name="Picture 51"/>
-          <p:cNvPicPr>
-            <a:picLocks noChangeAspect="1"/>
-          </p:cNvPicPr>
-          <p:nvPr/>
-        </p:nvPicPr>
-        <p:blipFill>
-          <a:blip r:embed="rId7" cstate="print"/>
-          <a:stretch>
-            <a:fillRect/>
-          </a:stretch>
-        </p:blipFill>
-        <p:spPr>
-          <a:xfrm rot="10800000" flipH="1">
-            <a:off x="6876256" y="4113076"/>
-            <a:ext cx="1250888" cy="1730478"/>
-          </a:xfrm>
-          <a:prstGeom prst="rect">
-            <a:avLst/>
-          </a:prstGeom>
-        </p:spPr>
-      </p:pic>
       <p:graphicFrame>
         <p:nvGraphicFramePr>
           <p:cNvPr id="33809" name="Object 17"/>
           <p:cNvGraphicFramePr>
             <a:graphicFrameLocks noChangeAspect="1"/>
           </p:cNvGraphicFramePr>
-          <p:nvPr/>
+          <p:nvPr>
+            <p:extLst>
+              <p:ext uri="{D42A27DB-BD31-4B8C-83A1-F6EECF244321}">
+                <p14:modId xmlns:p14="http://schemas.microsoft.com/office/powerpoint/2010/main" val="3813994784"/>
+              </p:ext>
+            </p:extLst>
+          </p:nvPr>
         </p:nvGraphicFramePr>
         <p:xfrm>
-          <a:off x="5724525" y="5805488"/>
+          <a:off x="6174444" y="5855895"/>
           <a:ext cx="1385888" cy="792162"/>
         </p:xfrm>
         <a:graphic>
           <a:graphicData uri="http://schemas.openxmlformats.org/presentationml/2006/ole">
             <mc:AlternateContent xmlns:mc="http://schemas.openxmlformats.org/markup-compatibility/2006">
               <mc:Choice xmlns:v="urn:schemas-microsoft-com:vml" Requires="v">
-                <p:oleObj spid="_x0000_s52230" name="Equation" r:id="rId8" imgW="676440" imgH="383760" progId="Equation.DSMT4">
+                <p:oleObj spid="_x0000_s52233" name="Equation" r:id="rId6" imgW="676440" imgH="383760" progId="Equation.DSMT4">
                   <p:embed/>
                 </p:oleObj>
               </mc:Choice>
               <mc:Fallback>
-                <p:oleObj name="Equation" r:id="rId8" imgW="676440" imgH="383760" progId="Equation.DSMT4">
+                <p:oleObj name="Equation" r:id="rId6" imgW="676440" imgH="383760" progId="Equation.DSMT4">
                   <p:embed/>
                   <p:pic>
                     <p:nvPicPr>
@@ -5484,7 +5487,7 @@
                       <p:nvPr/>
                     </p:nvPicPr>
                     <p:blipFill>
-                      <a:blip r:embed="rId9">
+                      <a:blip r:embed="rId7">
                         <a:extLst>
                           <a:ext uri="{28A0092B-C50C-407E-A947-70E740481C1C}">
                             <a14:useLocalDpi xmlns:a14="http://schemas.microsoft.com/office/drawing/2010/main" val="0"/>
@@ -5498,7 +5501,7 @@
                     </p:blipFill>
                     <p:spPr bwMode="auto">
                       <a:xfrm>
-                        <a:off x="5724525" y="5805488"/>
+                        <a:off x="6174444" y="5855895"/>
                         <a:ext cx="1385888" cy="792162"/>
                       </a:xfrm>
                       <a:prstGeom prst="rect">
@@ -5522,6 +5525,30 @@
           </a:graphicData>
         </a:graphic>
       </p:graphicFrame>
+      <p:pic>
+        <p:nvPicPr>
+          <p:cNvPr id="30" name="Image 1"/>
+          <p:cNvPicPr>
+            <a:picLocks noChangeAspect="1"/>
+          </p:cNvPicPr>
+          <p:nvPr/>
+        </p:nvPicPr>
+        <p:blipFill>
+          <a:blip r:embed="rId8" cstate="print"/>
+          <a:stretch>
+            <a:fillRect/>
+          </a:stretch>
+        </p:blipFill>
+        <p:spPr>
+          <a:xfrm>
+            <a:off x="5534266" y="4024349"/>
+            <a:ext cx="2972012" cy="1805577"/>
+          </a:xfrm>
+          <a:prstGeom prst="rect">
+            <a:avLst/>
+          </a:prstGeom>
+        </p:spPr>
+      </p:pic>
     </p:spTree>
     <p:extLst>
       <p:ext uri="{BB962C8B-B14F-4D97-AF65-F5344CB8AC3E}">
@@ -5535,7 +5562,7 @@
 </p:sld>
 </file>
 
-<file path=ppt/slides/slide11.xml><?xml version="1.0" encoding="utf-8"?>
+<file path=ppt/slides/slide12.xml><?xml version="1.0" encoding="utf-8"?>
 <p:sld xmlns:a="http://schemas.openxmlformats.org/drawingml/2006/main" xmlns:r="http://schemas.openxmlformats.org/officeDocument/2006/relationships" xmlns:p="http://schemas.openxmlformats.org/presentationml/2006/main">
   <p:cSld>
     <p:spTree>
@@ -5593,19 +5620,7 @@
             </a:br>
             <a:r>
               <a:rPr lang="en-US" sz="3600" dirty="0" smtClean="0"/>
-              <a:t>= </a:t>
-            </a:r>
-            <a:r>
-              <a:rPr lang="en-US" sz="3600" dirty="0" smtClean="0"/>
-              <a:t>replicate </a:t>
-            </a:r>
-            <a:r>
-              <a:rPr lang="en-US" sz="3600" dirty="0" smtClean="0"/>
-              <a:t>N </a:t>
-            </a:r>
-            <a:r>
-              <a:rPr lang="en-US" sz="3600" dirty="0" smtClean="0"/>
-              <a:t>lenses</a:t>
+              <a:t>= replicate N lenses</a:t>
             </a:r>
             <a:br>
               <a:rPr lang="en-US" sz="3600" dirty="0" smtClean="0"/>
@@ -6113,7 +6128,7 @@
 </p:sld>
 </file>
 
-<file path=ppt/slides/slide12.xml><?xml version="1.0" encoding="utf-8"?>
+<file path=ppt/slides/slide13.xml><?xml version="1.0" encoding="utf-8"?>
 <p:sld xmlns:a="http://schemas.openxmlformats.org/drawingml/2006/main" xmlns:r="http://schemas.openxmlformats.org/officeDocument/2006/relationships" xmlns:p="http://schemas.openxmlformats.org/presentationml/2006/main">
   <p:cSld>
     <p:spTree>
@@ -6418,7 +6433,7 @@
             <a:fld id="{733122C9-A0B9-462F-8757-0847AD287B63}" type="slidenum">
               <a:rPr lang="fr-FR" smtClean="0"/>
               <a:pPr/>
-              <a:t>12</a:t>
+              <a:t>13</a:t>
             </a:fld>
             <a:endParaRPr lang="fr-FR" dirty="0"/>
           </a:p>
@@ -8040,7 +8055,7 @@
 </p:sld>
 </file>
 
-<file path=ppt/slides/slide13.xml><?xml version="1.0" encoding="utf-8"?>
+<file path=ppt/slides/slide14.xml><?xml version="1.0" encoding="utf-8"?>
 <p:sld xmlns:a="http://schemas.openxmlformats.org/drawingml/2006/main" xmlns:r="http://schemas.openxmlformats.org/officeDocument/2006/relationships" xmlns:p="http://schemas.openxmlformats.org/presentationml/2006/main">
   <p:cSld>
     <p:spTree>
@@ -8064,7 +8079,7 @@
             <a:spLocks noGrp="1"/>
           </p:cNvSpPr>
           <p:nvPr>
-            <p:ph type="title"/>
+            <p:ph type="ctrTitle"/>
           </p:nvPr>
         </p:nvSpPr>
         <p:spPr/>
@@ -8072,18 +8087,22 @@
           <a:bodyPr/>
           <a:lstStyle/>
           <a:p>
-            <a:endParaRPr lang="en-US"/>
+            <a:r>
+              <a:rPr lang="en-US" dirty="0" smtClean="0"/>
+              <a:t>Crystals</a:t>
+            </a:r>
+            <a:endParaRPr lang="en-US" dirty="0"/>
           </a:p>
         </p:txBody>
       </p:sp>
       <p:sp>
         <p:nvSpPr>
-          <p:cNvPr id="3" name="Content Placeholder 2"/>
+          <p:cNvPr id="3" name="Subtitle 2"/>
           <p:cNvSpPr>
             <a:spLocks noGrp="1"/>
           </p:cNvSpPr>
           <p:nvPr>
-            <p:ph idx="1"/>
+            <p:ph type="subTitle" idx="1"/>
           </p:nvPr>
         </p:nvSpPr>
         <p:spPr/>
@@ -8091,14 +8110,14 @@
           <a:bodyPr/>
           <a:lstStyle/>
           <a:p>
-            <a:endParaRPr lang="en-US"/>
+            <a:endParaRPr lang="en-US" dirty="0"/>
           </a:p>
         </p:txBody>
       </p:sp>
     </p:spTree>
     <p:extLst>
       <p:ext uri="{BB962C8B-B14F-4D97-AF65-F5344CB8AC3E}">
-        <p14:creationId xmlns:p14="http://schemas.microsoft.com/office/powerpoint/2010/main" val="2362418255"/>
+        <p14:creationId xmlns:p14="http://schemas.microsoft.com/office/powerpoint/2010/main" val="1671589343"/>
       </p:ext>
     </p:extLst>
   </p:cSld>
@@ -8108,7 +8127,7 @@
 </p:sld>
 </file>
 
-<file path=ppt/slides/slide14.xml><?xml version="1.0" encoding="utf-8"?>
+<file path=ppt/slides/slide15.xml><?xml version="1.0" encoding="utf-8"?>
 <p:sld xmlns:a="http://schemas.openxmlformats.org/drawingml/2006/main" xmlns:r="http://schemas.openxmlformats.org/officeDocument/2006/relationships" xmlns:p="http://schemas.openxmlformats.org/presentationml/2006/main">
   <p:cSld>
     <p:spTree>
@@ -8657,7 +8676,7 @@
 </p:sld>
 </file>
 
-<file path=ppt/slides/slide15.xml><?xml version="1.0" encoding="utf-8"?>
+<file path=ppt/slides/slide16.xml><?xml version="1.0" encoding="utf-8"?>
 <p:sld xmlns:a="http://schemas.openxmlformats.org/drawingml/2006/main" xmlns:r="http://schemas.openxmlformats.org/officeDocument/2006/relationships" xmlns:p="http://schemas.openxmlformats.org/presentationml/2006/main">
   <p:cSld>
     <p:spTree>
@@ -9400,7 +9419,7 @@
             <a:graphicData uri="http://schemas.openxmlformats.org/presentationml/2006/ole">
               <mc:AlternateContent xmlns:mc="http://schemas.openxmlformats.org/markup-compatibility/2006">
                 <mc:Choice xmlns:v="urn:schemas-microsoft-com:vml" Requires="v">
-                  <p:oleObj spid="_x0000_s1188" name="Equation" r:id="rId3" imgW="672840" imgH="406080" progId="Equation.DSMT4">
+                  <p:oleObj spid="_x0000_s1199" name="Equation" r:id="rId3" imgW="672840" imgH="406080" progId="Equation.DSMT4">
                     <p:embed/>
                   </p:oleObj>
                 </mc:Choice>
@@ -9551,7 +9570,7 @@
             <a:graphicData uri="http://schemas.openxmlformats.org/presentationml/2006/ole">
               <mc:AlternateContent xmlns:mc="http://schemas.openxmlformats.org/markup-compatibility/2006">
                 <mc:Choice xmlns:v="urn:schemas-microsoft-com:vml" Requires="v">
-                  <p:oleObj spid="_x0000_s1189" name="Equation" r:id="rId5" imgW="152280" imgH="139680" progId="Equation.DSMT4">
+                  <p:oleObj spid="_x0000_s1200" name="Equation" r:id="rId5" imgW="152280" imgH="139680" progId="Equation.DSMT4">
                     <p:embed/>
                   </p:oleObj>
                 </mc:Choice>
@@ -12008,7 +12027,7 @@
             <a:graphicData uri="http://schemas.openxmlformats.org/presentationml/2006/ole">
               <mc:AlternateContent xmlns:mc="http://schemas.openxmlformats.org/markup-compatibility/2006">
                 <mc:Choice xmlns:v="urn:schemas-microsoft-com:vml" Requires="v">
-                  <p:oleObj spid="_x0000_s1190" name="Equation" r:id="rId7" imgW="152280" imgH="228600" progId="Equation.DSMT4">
+                  <p:oleObj spid="_x0000_s1201" name="Equation" r:id="rId7" imgW="152280" imgH="228600" progId="Equation.DSMT4">
                     <p:embed/>
                   </p:oleObj>
                 </mc:Choice>
@@ -12829,7 +12848,7 @@
             <a:graphicData uri="http://schemas.openxmlformats.org/presentationml/2006/ole">
               <mc:AlternateContent xmlns:mc="http://schemas.openxmlformats.org/markup-compatibility/2006">
                 <mc:Choice xmlns:v="urn:schemas-microsoft-com:vml" Requires="v">
-                  <p:oleObj spid="_x0000_s1191" name="Equation" r:id="rId9" imgW="1168200" imgH="304560" progId="Equation.DSMT4">
+                  <p:oleObj spid="_x0000_s1202" name="Equation" r:id="rId9" imgW="1168200" imgH="304560" progId="Equation.DSMT4">
                     <p:embed/>
                   </p:oleObj>
                 </mc:Choice>
@@ -13053,7 +13072,7 @@
                 <a:graphicData uri="http://schemas.openxmlformats.org/presentationml/2006/ole">
                   <mc:AlternateContent xmlns:mc="http://schemas.openxmlformats.org/markup-compatibility/2006">
                     <mc:Choice xmlns:v="urn:schemas-microsoft-com:vml" Requires="v">
-                      <p:oleObj spid="_x0000_s1192" name="Equation" r:id="rId11" imgW="914400" imgH="482400" progId="Equation.DSMT4">
+                      <p:oleObj spid="_x0000_s1203" name="Equation" r:id="rId11" imgW="914400" imgH="482400" progId="Equation.DSMT4">
                         <p:embed/>
                       </p:oleObj>
                     </mc:Choice>
@@ -13811,7 +13830,79 @@
 </p:sld>
 </file>
 
-<file path=ppt/slides/slide16.xml><?xml version="1.0" encoding="utf-8"?>
+<file path=ppt/slides/slide17.xml><?xml version="1.0" encoding="utf-8"?>
+<p:sld xmlns:a="http://schemas.openxmlformats.org/drawingml/2006/main" xmlns:r="http://schemas.openxmlformats.org/officeDocument/2006/relationships" xmlns:p="http://schemas.openxmlformats.org/presentationml/2006/main">
+  <p:cSld>
+    <p:spTree>
+      <p:nvGrpSpPr>
+        <p:cNvPr id="1" name=""/>
+        <p:cNvGrpSpPr/>
+        <p:nvPr/>
+      </p:nvGrpSpPr>
+      <p:grpSpPr>
+        <a:xfrm>
+          <a:off x="0" y="0"/>
+          <a:ext cx="0" cy="0"/>
+          <a:chOff x="0" y="0"/>
+          <a:chExt cx="0" cy="0"/>
+        </a:xfrm>
+      </p:grpSpPr>
+      <p:sp>
+        <p:nvSpPr>
+          <p:cNvPr id="2" name="Title 1"/>
+          <p:cNvSpPr>
+            <a:spLocks noGrp="1"/>
+          </p:cNvSpPr>
+          <p:nvPr>
+            <p:ph type="ctrTitle"/>
+          </p:nvPr>
+        </p:nvSpPr>
+        <p:spPr/>
+        <p:txBody>
+          <a:bodyPr/>
+          <a:lstStyle/>
+          <a:p>
+            <a:r>
+              <a:rPr lang="en-US" dirty="0" smtClean="0"/>
+              <a:t>Coherence</a:t>
+            </a:r>
+            <a:endParaRPr lang="en-US" dirty="0"/>
+          </a:p>
+        </p:txBody>
+      </p:sp>
+      <p:sp>
+        <p:nvSpPr>
+          <p:cNvPr id="3" name="Subtitle 2"/>
+          <p:cNvSpPr>
+            <a:spLocks noGrp="1"/>
+          </p:cNvSpPr>
+          <p:nvPr>
+            <p:ph type="subTitle" idx="1"/>
+          </p:nvPr>
+        </p:nvSpPr>
+        <p:spPr/>
+        <p:txBody>
+          <a:bodyPr/>
+          <a:lstStyle/>
+          <a:p>
+            <a:endParaRPr lang="en-US" dirty="0"/>
+          </a:p>
+        </p:txBody>
+      </p:sp>
+    </p:spTree>
+    <p:extLst>
+      <p:ext uri="{BB962C8B-B14F-4D97-AF65-F5344CB8AC3E}">
+        <p14:creationId xmlns:p14="http://schemas.microsoft.com/office/powerpoint/2010/main" val="406824283"/>
+      </p:ext>
+    </p:extLst>
+  </p:cSld>
+  <p:clrMapOvr>
+    <a:masterClrMapping/>
+  </p:clrMapOvr>
+</p:sld>
+</file>
+
+<file path=ppt/slides/slide18.xml><?xml version="1.0" encoding="utf-8"?>
 <p:sld xmlns:a="http://schemas.openxmlformats.org/drawingml/2006/main" xmlns:r="http://schemas.openxmlformats.org/officeDocument/2006/relationships" xmlns:p="http://schemas.openxmlformats.org/presentationml/2006/main">
   <p:cSld>
     <p:spTree>
@@ -15496,6 +15587,707 @@
         </p:txBody>
       </p:sp>
     </p:spTree>
+  </p:cSld>
+  <p:clrMapOvr>
+    <a:masterClrMapping/>
+  </p:clrMapOvr>
+  <p:timing>
+    <p:tnLst>
+      <p:par>
+        <p:cTn xmlns:p14="http://schemas.microsoft.com/office/powerpoint/2010/main" id="1" dur="indefinite" restart="never" nodeType="tmRoot"/>
+      </p:par>
+    </p:tnLst>
+  </p:timing>
+</p:sld>
+</file>
+
+<file path=ppt/slides/slide19.xml><?xml version="1.0" encoding="utf-8"?>
+<p:sld xmlns:a="http://schemas.openxmlformats.org/drawingml/2006/main" xmlns:r="http://schemas.openxmlformats.org/officeDocument/2006/relationships" xmlns:p="http://schemas.openxmlformats.org/presentationml/2006/main">
+  <p:cSld>
+    <p:spTree>
+      <p:nvGrpSpPr>
+        <p:cNvPr id="1" name=""/>
+        <p:cNvGrpSpPr/>
+        <p:nvPr/>
+      </p:nvGrpSpPr>
+      <p:grpSpPr>
+        <a:xfrm>
+          <a:off x="0" y="0"/>
+          <a:ext cx="0" cy="0"/>
+          <a:chOff x="0" y="0"/>
+          <a:chExt cx="0" cy="0"/>
+        </a:xfrm>
+      </p:grpSpPr>
+      <p:sp>
+        <p:nvSpPr>
+          <p:cNvPr id="4" name="Rectangle 27"/>
+          <p:cNvSpPr>
+            <a:spLocks noChangeArrowheads="1"/>
+          </p:cNvSpPr>
+          <p:nvPr/>
+        </p:nvSpPr>
+        <p:spPr bwMode="auto">
+          <a:xfrm>
+            <a:off x="152400" y="609600"/>
+            <a:ext cx="5562600" cy="5562600"/>
+          </a:xfrm>
+          <a:prstGeom prst="rect">
+            <a:avLst/>
+          </a:prstGeom>
+          <a:noFill/>
+          <a:ln w="9525">
+            <a:noFill/>
+            <a:miter lim="800000"/>
+            <a:headEnd/>
+            <a:tailEnd/>
+          </a:ln>
+        </p:spPr>
+        <p:txBody>
+          <a:bodyPr/>
+          <a:lstStyle/>
+          <a:p>
+            <a:pPr>
+              <a:spcBef>
+                <a:spcPct val="20000"/>
+              </a:spcBef>
+            </a:pPr>
+            <a:r>
+              <a:rPr lang="en-US" sz="1400" b="1" dirty="0" smtClean="0">
+                <a:solidFill>
+                  <a:srgbClr val="FF0000"/>
+                </a:solidFill>
+                <a:latin typeface="Helvetica" charset="0"/>
+              </a:rPr>
+              <a:t>Starting with TWO well defined (thus coherent) waves with THE SAME intensity:</a:t>
+            </a:r>
+            <a:r>
+              <a:rPr lang="en-US" sz="1400" b="1" dirty="0" smtClean="0">
+                <a:solidFill>
+                  <a:srgbClr val="008000"/>
+                </a:solidFill>
+                <a:latin typeface="Helvetica" charset="0"/>
+              </a:rPr>
+              <a:t> </a:t>
+            </a:r>
+          </a:p>
+          <a:p>
+            <a:pPr>
+              <a:spcBef>
+                <a:spcPct val="20000"/>
+              </a:spcBef>
+            </a:pPr>
+            <a:endParaRPr lang="en-US" sz="1400" b="1" dirty="0" smtClean="0">
+              <a:solidFill>
+                <a:srgbClr val="008000"/>
+              </a:solidFill>
+              <a:latin typeface="Helvetica" charset="0"/>
+            </a:endParaRPr>
+          </a:p>
+          <a:p>
+            <a:pPr>
+              <a:spcBef>
+                <a:spcPct val="20000"/>
+              </a:spcBef>
+            </a:pPr>
+            <a:r>
+              <a:rPr lang="en-US" sz="2000" b="1" dirty="0" smtClean="0">
+                <a:solidFill>
+                  <a:srgbClr val="008000"/>
+                </a:solidFill>
+                <a:latin typeface="Helvetica" pitchFamily="34" charset="0"/>
+                <a:cs typeface="Helvetica" pitchFamily="34" charset="0"/>
+              </a:rPr>
+              <a:t>LONGITUDINAL (TEMPORAL) COHERENCE LENGTH L</a:t>
+            </a:r>
+            <a:r>
+              <a:rPr lang="en-US" sz="2000" b="1" baseline="-25000" dirty="0" smtClean="0">
+                <a:solidFill>
+                  <a:srgbClr val="008000"/>
+                </a:solidFill>
+                <a:latin typeface="Helvetica" pitchFamily="34" charset="0"/>
+                <a:cs typeface="Helvetica" pitchFamily="34" charset="0"/>
+              </a:rPr>
+              <a:t>L</a:t>
+            </a:r>
+          </a:p>
+          <a:p>
+            <a:pPr>
+              <a:spcBef>
+                <a:spcPct val="20000"/>
+              </a:spcBef>
+            </a:pPr>
+            <a:r>
+              <a:rPr lang="en-US" sz="1600" b="1" dirty="0" smtClean="0">
+                <a:solidFill>
+                  <a:srgbClr val="008000"/>
+                </a:solidFill>
+                <a:latin typeface="Helvetica" pitchFamily="34" charset="0"/>
+                <a:cs typeface="Helvetica" pitchFamily="34" charset="0"/>
+              </a:rPr>
+              <a:t>Distance over which two waves from the same source point with slightly different wavelengths will completely </a:t>
+            </a:r>
+            <a:r>
+              <a:rPr lang="en-US" sz="1600" b="1" dirty="0" err="1" smtClean="0">
+                <a:solidFill>
+                  <a:srgbClr val="008000"/>
+                </a:solidFill>
+                <a:latin typeface="Helvetica" pitchFamily="34" charset="0"/>
+                <a:cs typeface="Helvetica" pitchFamily="34" charset="0"/>
+              </a:rPr>
+              <a:t>dephase</a:t>
+            </a:r>
+            <a:r>
+              <a:rPr lang="en-US" sz="1600" b="1" dirty="0" smtClean="0">
+                <a:solidFill>
+                  <a:srgbClr val="008000"/>
+                </a:solidFill>
+                <a:latin typeface="Helvetica" pitchFamily="34" charset="0"/>
+                <a:cs typeface="Helvetica" pitchFamily="34" charset="0"/>
+              </a:rPr>
+              <a:t>.</a:t>
+            </a:r>
+            <a:endParaRPr lang="en-US" sz="1400" b="1" dirty="0" smtClean="0">
+              <a:solidFill>
+                <a:srgbClr val="008000"/>
+              </a:solidFill>
+              <a:latin typeface="Helvetica" pitchFamily="34" charset="0"/>
+              <a:cs typeface="Helvetica" pitchFamily="34" charset="0"/>
+            </a:endParaRPr>
+          </a:p>
+          <a:p>
+            <a:pPr>
+              <a:spcBef>
+                <a:spcPct val="20000"/>
+              </a:spcBef>
+            </a:pPr>
+            <a:endParaRPr lang="en-US" sz="1400" b="1" dirty="0" smtClean="0">
+              <a:solidFill>
+                <a:srgbClr val="008000"/>
+              </a:solidFill>
+              <a:latin typeface="Helvetica" pitchFamily="34" charset="0"/>
+              <a:cs typeface="Helvetica" pitchFamily="34" charset="0"/>
+            </a:endParaRPr>
+          </a:p>
+          <a:p>
+            <a:pPr>
+              <a:spcBef>
+                <a:spcPct val="20000"/>
+              </a:spcBef>
+            </a:pPr>
+            <a:endParaRPr lang="en-US" sz="1400" b="1" dirty="0" smtClean="0">
+              <a:solidFill>
+                <a:srgbClr val="008000"/>
+              </a:solidFill>
+              <a:latin typeface="Helvetica" pitchFamily="34" charset="0"/>
+              <a:cs typeface="Helvetica" pitchFamily="34" charset="0"/>
+            </a:endParaRPr>
+          </a:p>
+          <a:p>
+            <a:pPr>
+              <a:spcBef>
+                <a:spcPct val="20000"/>
+              </a:spcBef>
+            </a:pPr>
+            <a:endParaRPr lang="en-US" sz="1400" b="1" dirty="0" smtClean="0">
+              <a:solidFill>
+                <a:srgbClr val="008000"/>
+              </a:solidFill>
+              <a:latin typeface="Helvetica" pitchFamily="34" charset="0"/>
+              <a:cs typeface="Helvetica" pitchFamily="34" charset="0"/>
+            </a:endParaRPr>
+          </a:p>
+          <a:p>
+            <a:pPr>
+              <a:spcBef>
+                <a:spcPct val="20000"/>
+              </a:spcBef>
+            </a:pPr>
+            <a:endParaRPr lang="en-US" sz="1400" b="1" dirty="0" smtClean="0">
+              <a:solidFill>
+                <a:srgbClr val="008000"/>
+              </a:solidFill>
+              <a:latin typeface="Helvetica" pitchFamily="34" charset="0"/>
+              <a:cs typeface="Helvetica" pitchFamily="34" charset="0"/>
+            </a:endParaRPr>
+          </a:p>
+          <a:p>
+            <a:pPr>
+              <a:spcBef>
+                <a:spcPct val="20000"/>
+              </a:spcBef>
+            </a:pPr>
+            <a:endParaRPr lang="en-US" sz="1400" b="1" dirty="0">
+              <a:solidFill>
+                <a:srgbClr val="008000"/>
+              </a:solidFill>
+              <a:latin typeface="Helvetica" pitchFamily="34" charset="0"/>
+              <a:cs typeface="Helvetica" pitchFamily="34" charset="0"/>
+            </a:endParaRPr>
+          </a:p>
+          <a:p>
+            <a:pPr>
+              <a:spcBef>
+                <a:spcPct val="20000"/>
+              </a:spcBef>
+            </a:pPr>
+            <a:r>
+              <a:rPr lang="en-US" sz="1200" b="1" dirty="0">
+                <a:solidFill>
+                  <a:srgbClr val="008000"/>
+                </a:solidFill>
+                <a:latin typeface="Helvetica" charset="0"/>
+              </a:rPr>
+              <a:t/>
+            </a:r>
+            <a:br>
+              <a:rPr lang="en-US" sz="1200" b="1" dirty="0">
+                <a:solidFill>
+                  <a:srgbClr val="008000"/>
+                </a:solidFill>
+                <a:latin typeface="Helvetica" charset="0"/>
+              </a:rPr>
+            </a:br>
+            <a:r>
+              <a:rPr lang="en-US" sz="2000" b="1" dirty="0" smtClean="0">
+                <a:solidFill>
+                  <a:srgbClr val="0070C0"/>
+                </a:solidFill>
+                <a:latin typeface="Helvetica" charset="0"/>
+              </a:rPr>
+              <a:t>TRANSVERSE COHERENCE LENGTH L</a:t>
+            </a:r>
+            <a:r>
+              <a:rPr lang="en-US" sz="2000" b="1" baseline="-25000" dirty="0" smtClean="0">
+                <a:solidFill>
+                  <a:srgbClr val="0070C0"/>
+                </a:solidFill>
+                <a:latin typeface="Helvetica" charset="0"/>
+              </a:rPr>
+              <a:t>T</a:t>
+            </a:r>
+            <a:endParaRPr lang="en-US" sz="2000" b="1" dirty="0" smtClean="0">
+              <a:solidFill>
+                <a:srgbClr val="0070C0"/>
+              </a:solidFill>
+              <a:latin typeface="Helvetica" charset="0"/>
+            </a:endParaRPr>
+          </a:p>
+          <a:p>
+            <a:pPr>
+              <a:spcBef>
+                <a:spcPct val="20000"/>
+              </a:spcBef>
+            </a:pPr>
+            <a:r>
+              <a:rPr lang="en-US" sz="1600" b="1" dirty="0" smtClean="0">
+                <a:solidFill>
+                  <a:srgbClr val="0070C0"/>
+                </a:solidFill>
+                <a:latin typeface="Helvetica" charset="0"/>
+              </a:rPr>
+              <a:t>The lateral distance along a </a:t>
+            </a:r>
+            <a:r>
+              <a:rPr lang="en-US" sz="1600" b="1" dirty="0" err="1" smtClean="0">
+                <a:solidFill>
+                  <a:srgbClr val="0070C0"/>
+                </a:solidFill>
+                <a:latin typeface="Helvetica" charset="0"/>
+              </a:rPr>
+              <a:t>wavefront</a:t>
+            </a:r>
+            <a:r>
+              <a:rPr lang="en-US" sz="1600" b="1" dirty="0" smtClean="0">
+                <a:solidFill>
+                  <a:srgbClr val="0070C0"/>
+                </a:solidFill>
+                <a:latin typeface="Helvetica" charset="0"/>
+              </a:rPr>
+              <a:t> over which there is a complete </a:t>
+            </a:r>
+            <a:r>
+              <a:rPr lang="en-US" sz="1600" b="1" dirty="0" err="1" smtClean="0">
+                <a:solidFill>
+                  <a:srgbClr val="0070C0"/>
+                </a:solidFill>
+                <a:latin typeface="Helvetica" charset="0"/>
+              </a:rPr>
+              <a:t>dephasing</a:t>
+            </a:r>
+            <a:r>
+              <a:rPr lang="en-US" sz="1600" b="1" dirty="0" smtClean="0">
+                <a:solidFill>
+                  <a:srgbClr val="0070C0"/>
+                </a:solidFill>
+                <a:latin typeface="Helvetica" charset="0"/>
+              </a:rPr>
+              <a:t> between two waves of the same wavelength, which originate from two separate points in space</a:t>
+            </a:r>
+          </a:p>
+        </p:txBody>
+      </p:sp>
+      <p:pic>
+        <p:nvPicPr>
+          <p:cNvPr id="64515" name="Picture 3"/>
+          <p:cNvPicPr>
+            <a:picLocks noChangeAspect="1" noChangeArrowheads="1"/>
+          </p:cNvPicPr>
+          <p:nvPr/>
+        </p:nvPicPr>
+        <p:blipFill>
+          <a:blip r:embed="rId2" cstate="print"/>
+          <a:srcRect/>
+          <a:stretch>
+            <a:fillRect/>
+          </a:stretch>
+        </p:blipFill>
+        <p:spPr bwMode="auto">
+          <a:xfrm>
+            <a:off x="6096000" y="609600"/>
+            <a:ext cx="2743200" cy="2497948"/>
+          </a:xfrm>
+          <a:prstGeom prst="rect">
+            <a:avLst/>
+          </a:prstGeom>
+          <a:noFill/>
+          <a:ln w="9525">
+            <a:noFill/>
+            <a:miter lim="800000"/>
+            <a:headEnd/>
+            <a:tailEnd/>
+          </a:ln>
+        </p:spPr>
+      </p:pic>
+      <p:pic>
+        <p:nvPicPr>
+          <p:cNvPr id="64517" name="Picture 5"/>
+          <p:cNvPicPr>
+            <a:picLocks noChangeAspect="1" noChangeArrowheads="1"/>
+          </p:cNvPicPr>
+          <p:nvPr/>
+        </p:nvPicPr>
+        <p:blipFill>
+          <a:blip r:embed="rId3" cstate="print"/>
+          <a:srcRect/>
+          <a:stretch>
+            <a:fillRect/>
+          </a:stretch>
+        </p:blipFill>
+        <p:spPr bwMode="auto">
+          <a:xfrm>
+            <a:off x="5638800" y="4038600"/>
+            <a:ext cx="3503777" cy="1828800"/>
+          </a:xfrm>
+          <a:prstGeom prst="rect">
+            <a:avLst/>
+          </a:prstGeom>
+          <a:noFill/>
+          <a:ln w="9525">
+            <a:noFill/>
+            <a:miter lim="800000"/>
+            <a:headEnd/>
+            <a:tailEnd/>
+          </a:ln>
+        </p:spPr>
+      </p:pic>
+      <p:pic>
+        <p:nvPicPr>
+          <p:cNvPr id="64518" name="Picture 6"/>
+          <p:cNvPicPr>
+            <a:picLocks noChangeAspect="1" noChangeArrowheads="1"/>
+          </p:cNvPicPr>
+          <p:nvPr/>
+        </p:nvPicPr>
+        <p:blipFill>
+          <a:blip r:embed="rId4" cstate="print"/>
+          <a:srcRect/>
+          <a:stretch>
+            <a:fillRect/>
+          </a:stretch>
+        </p:blipFill>
+        <p:spPr bwMode="auto">
+          <a:xfrm>
+            <a:off x="1295400" y="5608320"/>
+            <a:ext cx="3911600" cy="1173480"/>
+          </a:xfrm>
+          <a:prstGeom prst="rect">
+            <a:avLst/>
+          </a:prstGeom>
+          <a:noFill/>
+          <a:ln w="9525">
+            <a:noFill/>
+            <a:miter lim="800000"/>
+            <a:headEnd/>
+            <a:tailEnd/>
+          </a:ln>
+        </p:spPr>
+      </p:pic>
+      <p:sp>
+        <p:nvSpPr>
+          <p:cNvPr id="9" name="TextBox 8"/>
+          <p:cNvSpPr txBox="1"/>
+          <p:nvPr/>
+        </p:nvSpPr>
+        <p:spPr>
+          <a:xfrm>
+            <a:off x="228600" y="152400"/>
+            <a:ext cx="8458200" cy="338554"/>
+          </a:xfrm>
+          <a:prstGeom prst="rect">
+            <a:avLst/>
+          </a:prstGeom>
+          <a:noFill/>
+        </p:spPr>
+        <p:txBody>
+          <a:bodyPr wrap="square" rtlCol="0">
+            <a:spAutoFit/>
+          </a:bodyPr>
+          <a:lstStyle/>
+          <a:p>
+            <a:r>
+              <a:rPr lang="en-US" sz="1600" dirty="0" smtClean="0"/>
+              <a:t>COHERENT LENGTHS - TWO WAVES                                 </a:t>
+            </a:r>
+            <a:r>
+              <a:rPr lang="en-US" sz="1200" dirty="0" smtClean="0"/>
+              <a:t>http://www.csrri.iit.edu/~segre/phys570/10F/lecture_04.pdf</a:t>
+            </a:r>
+            <a:endParaRPr lang="en-US" sz="1600" dirty="0"/>
+          </a:p>
+        </p:txBody>
+      </p:sp>
+      <p:pic>
+        <p:nvPicPr>
+          <p:cNvPr id="183298" name="Picture 2"/>
+          <p:cNvPicPr>
+            <a:picLocks noChangeAspect="1" noChangeArrowheads="1"/>
+          </p:cNvPicPr>
+          <p:nvPr/>
+        </p:nvPicPr>
+        <p:blipFill>
+          <a:blip r:embed="rId5" cstate="print"/>
+          <a:srcRect/>
+          <a:stretch>
+            <a:fillRect/>
+          </a:stretch>
+        </p:blipFill>
+        <p:spPr bwMode="auto">
+          <a:xfrm>
+            <a:off x="152400" y="3048000"/>
+            <a:ext cx="6392777" cy="914400"/>
+          </a:xfrm>
+          <a:prstGeom prst="rect">
+            <a:avLst/>
+          </a:prstGeom>
+          <a:noFill/>
+          <a:ln w="9525">
+            <a:noFill/>
+            <a:miter lim="800000"/>
+            <a:headEnd/>
+            <a:tailEnd/>
+          </a:ln>
+        </p:spPr>
+      </p:pic>
+      <p:sp>
+        <p:nvSpPr>
+          <p:cNvPr id="10" name="Rectangle 9"/>
+          <p:cNvSpPr/>
+          <p:nvPr/>
+        </p:nvSpPr>
+        <p:spPr>
+          <a:xfrm>
+            <a:off x="5486400" y="3352800"/>
+            <a:ext cx="1143000" cy="665480"/>
+          </a:xfrm>
+          <a:prstGeom prst="rect">
+            <a:avLst/>
+          </a:prstGeom>
+          <a:noFill/>
+          <a:ln>
+            <a:solidFill>
+              <a:srgbClr val="FF0000"/>
+            </a:solidFill>
+          </a:ln>
+        </p:spPr>
+        <p:style>
+          <a:lnRef idx="2">
+            <a:schemeClr val="accent1">
+              <a:shade val="50000"/>
+            </a:schemeClr>
+          </a:lnRef>
+          <a:fillRef idx="1">
+            <a:schemeClr val="accent1"/>
+          </a:fillRef>
+          <a:effectRef idx="0">
+            <a:schemeClr val="accent1"/>
+          </a:effectRef>
+          <a:fontRef idx="minor">
+            <a:schemeClr val="lt1"/>
+          </a:fontRef>
+        </p:style>
+        <p:txBody>
+          <a:bodyPr rtlCol="0" anchor="ctr"/>
+          <a:lstStyle/>
+          <a:p>
+            <a:pPr algn="ctr"/>
+            <a:endParaRPr lang="en-US"/>
+          </a:p>
+        </p:txBody>
+      </p:sp>
+      <p:sp>
+        <p:nvSpPr>
+          <p:cNvPr id="11" name="Rectangle 10"/>
+          <p:cNvSpPr/>
+          <p:nvPr/>
+        </p:nvSpPr>
+        <p:spPr>
+          <a:xfrm>
+            <a:off x="2667000" y="6172200"/>
+            <a:ext cx="1143000" cy="533400"/>
+          </a:xfrm>
+          <a:prstGeom prst="rect">
+            <a:avLst/>
+          </a:prstGeom>
+          <a:noFill/>
+          <a:ln>
+            <a:solidFill>
+              <a:srgbClr val="FF0000"/>
+            </a:solidFill>
+          </a:ln>
+        </p:spPr>
+        <p:style>
+          <a:lnRef idx="2">
+            <a:schemeClr val="accent1">
+              <a:shade val="50000"/>
+            </a:schemeClr>
+          </a:lnRef>
+          <a:fillRef idx="1">
+            <a:schemeClr val="accent1"/>
+          </a:fillRef>
+          <a:effectRef idx="0">
+            <a:schemeClr val="accent1"/>
+          </a:effectRef>
+          <a:fontRef idx="minor">
+            <a:schemeClr val="lt1"/>
+          </a:fontRef>
+        </p:style>
+        <p:txBody>
+          <a:bodyPr rtlCol="0" anchor="ctr"/>
+          <a:lstStyle/>
+          <a:p>
+            <a:pPr algn="ctr"/>
+            <a:endParaRPr lang="en-US"/>
+          </a:p>
+        </p:txBody>
+      </p:sp>
+      <p:sp>
+        <p:nvSpPr>
+          <p:cNvPr id="12" name="Rectangle 11"/>
+          <p:cNvSpPr/>
+          <p:nvPr/>
+        </p:nvSpPr>
+        <p:spPr>
+          <a:xfrm>
+            <a:off x="2057400" y="3048000"/>
+            <a:ext cx="2895600" cy="381000"/>
+          </a:xfrm>
+          <a:prstGeom prst="rect">
+            <a:avLst/>
+          </a:prstGeom>
+          <a:solidFill>
+            <a:schemeClr val="bg1"/>
+          </a:solidFill>
+          <a:ln>
+            <a:noFill/>
+          </a:ln>
+        </p:spPr>
+        <p:style>
+          <a:lnRef idx="2">
+            <a:schemeClr val="accent1">
+              <a:shade val="50000"/>
+            </a:schemeClr>
+          </a:lnRef>
+          <a:fillRef idx="1">
+            <a:schemeClr val="accent1"/>
+          </a:fillRef>
+          <a:effectRef idx="0">
+            <a:schemeClr val="accent1"/>
+          </a:effectRef>
+          <a:fontRef idx="minor">
+            <a:schemeClr val="lt1"/>
+          </a:fontRef>
+        </p:style>
+        <p:txBody>
+          <a:bodyPr rtlCol="0" anchor="ctr"/>
+          <a:lstStyle/>
+          <a:p>
+            <a:pPr algn="ctr"/>
+            <a:endParaRPr lang="en-US"/>
+          </a:p>
+        </p:txBody>
+      </p:sp>
+      <p:pic>
+        <p:nvPicPr>
+          <p:cNvPr id="183297" name="Picture 1"/>
+          <p:cNvPicPr>
+            <a:picLocks noChangeAspect="1" noChangeArrowheads="1"/>
+          </p:cNvPicPr>
+          <p:nvPr/>
+        </p:nvPicPr>
+        <p:blipFill>
+          <a:blip r:embed="rId6" cstate="print"/>
+          <a:srcRect/>
+          <a:stretch>
+            <a:fillRect/>
+          </a:stretch>
+        </p:blipFill>
+        <p:spPr bwMode="auto">
+          <a:xfrm>
+            <a:off x="1371600" y="2514600"/>
+            <a:ext cx="3048000" cy="855023"/>
+          </a:xfrm>
+          <a:prstGeom prst="rect">
+            <a:avLst/>
+          </a:prstGeom>
+          <a:noFill/>
+          <a:ln w="9525">
+            <a:noFill/>
+            <a:miter lim="800000"/>
+            <a:headEnd/>
+            <a:tailEnd/>
+          </a:ln>
+        </p:spPr>
+      </p:pic>
+      <p:sp>
+        <p:nvSpPr>
+          <p:cNvPr id="13" name="Slide Number Placeholder 12"/>
+          <p:cNvSpPr>
+            <a:spLocks noGrp="1"/>
+          </p:cNvSpPr>
+          <p:nvPr>
+            <p:ph type="sldNum" sz="quarter" idx="12"/>
+          </p:nvPr>
+        </p:nvSpPr>
+        <p:spPr/>
+        <p:txBody>
+          <a:bodyPr/>
+          <a:lstStyle/>
+          <a:p>
+            <a:fld id="{B6F15528-21DE-4FAA-801E-634DDDAF4B2B}" type="slidenum">
+              <a:rPr lang="en-US" smtClean="0"/>
+              <a:pPr/>
+              <a:t>19</a:t>
+            </a:fld>
+            <a:endParaRPr lang="en-US"/>
+          </a:p>
+        </p:txBody>
+      </p:sp>
+    </p:spTree>
+    <p:extLst>
+      <p:ext uri="{BB962C8B-B14F-4D97-AF65-F5344CB8AC3E}">
+        <p14:creationId xmlns:p14="http://schemas.microsoft.com/office/powerpoint/2010/main" val="1020520770"/>
+      </p:ext>
+    </p:extLst>
   </p:cSld>
   <p:clrMapOvr>
     <a:masterClrMapping/>
@@ -16838,14 +17630,1880 @@
   <p:clrMapOvr>
     <a:masterClrMapping/>
   </p:clrMapOvr>
-  <mc:AlternateContent xmlns:mc="http://schemas.openxmlformats.org/markup-compatibility/2006">
-    <mc:Choice xmlns:p14="http://schemas.microsoft.com/office/powerpoint/2010/main" Requires="p14">
+  <mc:AlternateContent xmlns:mc="http://schemas.openxmlformats.org/markup-compatibility/2006" xmlns:p14="http://schemas.microsoft.com/office/powerpoint/2010/main">
+    <mc:Choice Requires="p14">
       <p:transition spd="slow" p14:dur="2000"/>
     </mc:Choice>
-    <mc:Fallback>
+    <mc:Fallback xmlns="">
       <p:transition xmlns:p14="http://schemas.microsoft.com/office/powerpoint/2010/main" spd="slow"/>
     </mc:Fallback>
   </mc:AlternateContent>
+  <p:timing>
+    <p:tnLst>
+      <p:par>
+        <p:cTn xmlns:p14="http://schemas.microsoft.com/office/powerpoint/2010/main" id="1" dur="indefinite" restart="never" nodeType="tmRoot"/>
+      </p:par>
+    </p:tnLst>
+  </p:timing>
+</p:sld>
+</file>
+
+<file path=ppt/slides/slide20.xml><?xml version="1.0" encoding="utf-8"?>
+<p:sld xmlns:a="http://schemas.openxmlformats.org/drawingml/2006/main" xmlns:r="http://schemas.openxmlformats.org/officeDocument/2006/relationships" xmlns:p="http://schemas.openxmlformats.org/presentationml/2006/main">
+  <p:cSld>
+    <p:spTree>
+      <p:nvGrpSpPr>
+        <p:cNvPr id="1" name=""/>
+        <p:cNvGrpSpPr/>
+        <p:nvPr/>
+      </p:nvGrpSpPr>
+      <p:grpSpPr>
+        <a:xfrm>
+          <a:off x="0" y="0"/>
+          <a:ext cx="0" cy="0"/>
+          <a:chOff x="0" y="0"/>
+          <a:chExt cx="0" cy="0"/>
+        </a:xfrm>
+      </p:grpSpPr>
+      <p:sp>
+        <p:nvSpPr>
+          <p:cNvPr id="3" name="TextBox 2"/>
+          <p:cNvSpPr txBox="1"/>
+          <p:nvPr/>
+        </p:nvSpPr>
+        <p:spPr>
+          <a:xfrm>
+            <a:off x="76200" y="2241352"/>
+            <a:ext cx="9067800" cy="4201151"/>
+          </a:xfrm>
+          <a:prstGeom prst="rect">
+            <a:avLst/>
+          </a:prstGeom>
+          <a:noFill/>
+        </p:spPr>
+        <p:txBody>
+          <a:bodyPr wrap="square" rtlCol="0">
+            <a:spAutoFit/>
+          </a:bodyPr>
+          <a:lstStyle/>
+          <a:p>
+            <a:r>
+              <a:rPr lang="en-US" sz="2400" dirty="0" smtClean="0">
+                <a:solidFill>
+                  <a:srgbClr val="0070C0"/>
+                </a:solidFill>
+              </a:rPr>
+              <a:t>LONGITUDINAL COHERENCE</a:t>
+            </a:r>
+            <a:endParaRPr lang="en-US" sz="2400" dirty="0" smtClean="0"/>
+          </a:p>
+          <a:p>
+            <a:endParaRPr lang="en-US" dirty="0" smtClean="0"/>
+          </a:p>
+          <a:p>
+            <a:r>
+              <a:rPr lang="en-US" dirty="0" smtClean="0"/>
+              <a:t>Imagine that a typical </a:t>
+            </a:r>
+            <a:r>
+              <a:rPr lang="en-US" dirty="0" err="1" smtClean="0">
+                <a:solidFill>
+                  <a:srgbClr val="FF0000"/>
+                </a:solidFill>
+              </a:rPr>
+              <a:t>monochromator</a:t>
+            </a:r>
+            <a:r>
+              <a:rPr lang="en-US" dirty="0" smtClean="0"/>
+              <a:t>:</a:t>
+            </a:r>
+          </a:p>
+          <a:p>
+            <a:endParaRPr lang="en-US" dirty="0" smtClean="0"/>
+          </a:p>
+          <a:p>
+            <a:pPr lvl="1">
+              <a:lnSpc>
+                <a:spcPct val="90000"/>
+              </a:lnSpc>
+              <a:buFont typeface="Arial" pitchFamily="34" charset="0"/>
+              <a:buChar char="•"/>
+            </a:pPr>
+            <a:r>
+              <a:rPr lang="en-US" dirty="0" smtClean="0"/>
+              <a:t>Produces a typical of </a:t>
+            </a:r>
+            <a:r>
+              <a:rPr lang="en-US" dirty="0" smtClean="0">
+                <a:solidFill>
+                  <a:srgbClr val="FF0000"/>
+                </a:solidFill>
+              </a:rPr>
+              <a:t>∆λ/λ = 10</a:t>
+            </a:r>
+            <a:r>
+              <a:rPr lang="en-US" baseline="30000" dirty="0" smtClean="0">
+                <a:solidFill>
+                  <a:srgbClr val="FF0000"/>
+                </a:solidFill>
+              </a:rPr>
+              <a:t>−4</a:t>
+            </a:r>
+            <a:r>
+              <a:rPr lang="en-US" dirty="0" smtClean="0">
+                <a:solidFill>
+                  <a:srgbClr val="FF0000"/>
+                </a:solidFill>
+              </a:rPr>
+              <a:t>  </a:t>
+            </a:r>
+            <a:r>
+              <a:rPr lang="en-US" dirty="0" smtClean="0"/>
+              <a:t>(Si 111)  peak distribution (Gaussian)</a:t>
+            </a:r>
+          </a:p>
+          <a:p>
+            <a:pPr>
+              <a:lnSpc>
+                <a:spcPct val="90000"/>
+              </a:lnSpc>
+            </a:pPr>
+            <a:endParaRPr lang="en-US" dirty="0" smtClean="0"/>
+          </a:p>
+          <a:p>
+            <a:pPr lvl="1">
+              <a:lnSpc>
+                <a:spcPct val="90000"/>
+              </a:lnSpc>
+              <a:buFont typeface="Arial" pitchFamily="34" charset="0"/>
+              <a:buChar char="•"/>
+            </a:pPr>
+            <a:r>
+              <a:rPr lang="en-US" dirty="0" smtClean="0"/>
+              <a:t>For main wavelength of </a:t>
+            </a:r>
+            <a:r>
+              <a:rPr lang="en-US" dirty="0" smtClean="0">
+                <a:solidFill>
+                  <a:srgbClr val="FF0000"/>
+                </a:solidFill>
+              </a:rPr>
+              <a:t>λ = 1Å </a:t>
+            </a:r>
+            <a:r>
+              <a:rPr lang="en-US" dirty="0" smtClean="0"/>
+              <a:t>we select </a:t>
+            </a:r>
+            <a:r>
+              <a:rPr lang="en-US" dirty="0" smtClean="0">
+                <a:solidFill>
+                  <a:srgbClr val="FF0000"/>
+                </a:solidFill>
+              </a:rPr>
+              <a:t>two lines </a:t>
+            </a:r>
+            <a:r>
+              <a:rPr lang="en-US" dirty="0" smtClean="0"/>
+              <a:t>thus separated its width ∆λ = 10</a:t>
+            </a:r>
+            <a:r>
+              <a:rPr lang="en-US" baseline="30000" dirty="0" smtClean="0"/>
+              <a:t>−4</a:t>
+            </a:r>
+            <a:r>
+              <a:rPr lang="en-US" dirty="0" smtClean="0"/>
+              <a:t> </a:t>
+            </a:r>
+            <a:r>
+              <a:rPr lang="en-US" dirty="0" err="1" smtClean="0"/>
+              <a:t>Å</a:t>
+            </a:r>
+            <a:r>
+              <a:rPr lang="en-US" dirty="0" smtClean="0"/>
+              <a:t/>
+            </a:r>
+            <a:br>
+              <a:rPr lang="en-US" dirty="0" smtClean="0"/>
+            </a:br>
+            <a:endParaRPr lang="en-US" dirty="0" smtClean="0"/>
+          </a:p>
+          <a:p>
+            <a:pPr lvl="1">
+              <a:lnSpc>
+                <a:spcPct val="90000"/>
+              </a:lnSpc>
+              <a:buFont typeface="Arial" pitchFamily="34" charset="0"/>
+              <a:buChar char="•"/>
+            </a:pPr>
+            <a:r>
+              <a:rPr lang="en-US" dirty="0" smtClean="0"/>
+              <a:t>The </a:t>
+            </a:r>
+            <a:r>
+              <a:rPr lang="en-US" dirty="0" err="1" smtClean="0">
+                <a:solidFill>
+                  <a:srgbClr val="FF0000"/>
+                </a:solidFill>
+              </a:rPr>
+              <a:t>wavefronts</a:t>
+            </a:r>
+            <a:r>
+              <a:rPr lang="en-US" dirty="0" smtClean="0">
+                <a:solidFill>
+                  <a:srgbClr val="FF0000"/>
+                </a:solidFill>
+              </a:rPr>
+              <a:t> </a:t>
+            </a:r>
+            <a:r>
+              <a:rPr lang="en-US" dirty="0" smtClean="0"/>
+              <a:t>of these two monochromatic waves </a:t>
+            </a:r>
+            <a:r>
+              <a:rPr lang="en-US" dirty="0" smtClean="0">
+                <a:solidFill>
+                  <a:srgbClr val="FF0000"/>
+                </a:solidFill>
+              </a:rPr>
+              <a:t>are plane and identical </a:t>
+            </a:r>
+            <a:endParaRPr lang="en-US" dirty="0" smtClean="0"/>
+          </a:p>
+          <a:p>
+            <a:endParaRPr lang="en-US" dirty="0" smtClean="0"/>
+          </a:p>
+          <a:p>
+            <a:r>
+              <a:rPr lang="en-US" b="1" dirty="0" smtClean="0">
+                <a:solidFill>
+                  <a:srgbClr val="008000"/>
+                </a:solidFill>
+                <a:latin typeface="Helvetica" charset="0"/>
+              </a:rPr>
+              <a:t/>
+            </a:r>
+            <a:br>
+              <a:rPr lang="en-US" b="1" dirty="0" smtClean="0">
+                <a:solidFill>
+                  <a:srgbClr val="008000"/>
+                </a:solidFill>
+                <a:latin typeface="Helvetica" charset="0"/>
+              </a:rPr>
+            </a:br>
+            <a:endParaRPr lang="en-US" dirty="0"/>
+          </a:p>
+          <a:p>
+            <a:endParaRPr lang="en-US" dirty="0" smtClean="0">
+              <a:solidFill>
+                <a:srgbClr val="FF0000"/>
+              </a:solidFill>
+            </a:endParaRPr>
+          </a:p>
+          <a:p>
+            <a:r>
+              <a:rPr lang="en-US" dirty="0" smtClean="0">
+                <a:solidFill>
+                  <a:srgbClr val="FF0000"/>
+                </a:solidFill>
+              </a:rPr>
+              <a:t>STATIONARY: This correlation time is much smaller than “bunch time” ~ 15 10</a:t>
+            </a:r>
+            <a:r>
+              <a:rPr lang="en-US" baseline="30000" dirty="0" smtClean="0">
+                <a:solidFill>
+                  <a:srgbClr val="FF0000"/>
+                </a:solidFill>
+              </a:rPr>
+              <a:t>-3</a:t>
+            </a:r>
+            <a:r>
+              <a:rPr lang="en-US" dirty="0" smtClean="0">
+                <a:solidFill>
+                  <a:srgbClr val="FF0000"/>
+                </a:solidFill>
+              </a:rPr>
+              <a:t> / c ~10</a:t>
+            </a:r>
+            <a:r>
+              <a:rPr lang="en-US" baseline="30000" dirty="0" smtClean="0">
+                <a:solidFill>
+                  <a:srgbClr val="FF0000"/>
+                </a:solidFill>
+              </a:rPr>
+              <a:t>-12</a:t>
+            </a:r>
+            <a:r>
+              <a:rPr lang="en-US" dirty="0" smtClean="0">
+                <a:solidFill>
+                  <a:srgbClr val="FF0000"/>
+                </a:solidFill>
+              </a:rPr>
+              <a:t> s~ </a:t>
+            </a:r>
+            <a:r>
+              <a:rPr lang="en-US" dirty="0" err="1" smtClean="0">
+                <a:solidFill>
+                  <a:srgbClr val="FF0000"/>
+                </a:solidFill>
+              </a:rPr>
+              <a:t>ps</a:t>
+            </a:r>
+            <a:endParaRPr lang="en-US" dirty="0" smtClean="0">
+              <a:solidFill>
+                <a:srgbClr val="FF0000"/>
+              </a:solidFill>
+            </a:endParaRPr>
+          </a:p>
+          <a:p>
+            <a:endParaRPr lang="en-US" dirty="0" smtClean="0"/>
+          </a:p>
+        </p:txBody>
+      </p:sp>
+      <p:sp>
+        <p:nvSpPr>
+          <p:cNvPr id="4" name="Title 1"/>
+          <p:cNvSpPr>
+            <a:spLocks noGrp="1"/>
+          </p:cNvSpPr>
+          <p:nvPr>
+            <p:ph type="title"/>
+          </p:nvPr>
+        </p:nvSpPr>
+        <p:spPr>
+          <a:xfrm>
+            <a:off x="-304800" y="-304800"/>
+            <a:ext cx="9677400" cy="1752600"/>
+          </a:xfrm>
+        </p:spPr>
+        <p:txBody>
+          <a:bodyPr>
+            <a:noAutofit/>
+          </a:bodyPr>
+          <a:lstStyle/>
+          <a:p>
+            <a:r>
+              <a:rPr lang="en-US" sz="4000" dirty="0"/>
+              <a:t>correlation lengths for a typical synchrotron</a:t>
+            </a:r>
+            <a:endParaRPr lang="en-GB" sz="4000" dirty="0"/>
+          </a:p>
+        </p:txBody>
+      </p:sp>
+      <p:sp>
+        <p:nvSpPr>
+          <p:cNvPr id="6" name="Content Placeholder 2"/>
+          <p:cNvSpPr>
+            <a:spLocks noGrp="1"/>
+          </p:cNvSpPr>
+          <p:nvPr>
+            <p:ph idx="1"/>
+          </p:nvPr>
+        </p:nvSpPr>
+        <p:spPr>
+          <a:xfrm>
+            <a:off x="1219200" y="990600"/>
+            <a:ext cx="6705600" cy="1219200"/>
+          </a:xfrm>
+        </p:spPr>
+        <p:txBody>
+          <a:bodyPr>
+            <a:normAutofit lnSpcReduction="10000"/>
+          </a:bodyPr>
+          <a:lstStyle/>
+          <a:p>
+            <a:r>
+              <a:rPr lang="en-US" sz="2400" dirty="0" smtClean="0">
+                <a:solidFill>
+                  <a:srgbClr val="FF0000"/>
+                </a:solidFill>
+              </a:rPr>
+              <a:t>the synchrotron beam </a:t>
+            </a:r>
+            <a:r>
+              <a:rPr lang="en-US" sz="2400" b="1" i="1" dirty="0" smtClean="0">
+                <a:solidFill>
+                  <a:srgbClr val="FF0000"/>
+                </a:solidFill>
+              </a:rPr>
+              <a:t>is not </a:t>
+            </a:r>
+            <a:r>
+              <a:rPr lang="en-US" sz="2400" dirty="0" smtClean="0">
+                <a:solidFill>
+                  <a:srgbClr val="FF0000"/>
+                </a:solidFill>
+              </a:rPr>
+              <a:t>formed by two single monochromatic plane waves</a:t>
+            </a:r>
+          </a:p>
+          <a:p>
+            <a:r>
+              <a:rPr lang="en-US" sz="2400" dirty="0" smtClean="0">
+                <a:solidFill>
+                  <a:srgbClr val="FF0000"/>
+                </a:solidFill>
+              </a:rPr>
+              <a:t>But we give some </a:t>
+            </a:r>
+            <a:r>
+              <a:rPr lang="en-US" sz="2400" b="1" i="1" u="sng" dirty="0" smtClean="0">
+                <a:solidFill>
+                  <a:srgbClr val="FF0000"/>
+                </a:solidFill>
+              </a:rPr>
+              <a:t>approximated</a:t>
+            </a:r>
+            <a:r>
+              <a:rPr lang="en-US" sz="2400" dirty="0" smtClean="0">
+                <a:solidFill>
+                  <a:srgbClr val="FF0000"/>
+                </a:solidFill>
+              </a:rPr>
+              <a:t> values…</a:t>
+            </a:r>
+          </a:p>
+          <a:p>
+            <a:endParaRPr lang="en-GB" dirty="0"/>
+          </a:p>
+        </p:txBody>
+      </p:sp>
+      <p:graphicFrame>
+        <p:nvGraphicFramePr>
+          <p:cNvPr id="7" name="Object 1"/>
+          <p:cNvGraphicFramePr>
+            <a:graphicFrameLocks noChangeAspect="1"/>
+          </p:cNvGraphicFramePr>
+          <p:nvPr>
+            <p:extLst>
+              <p:ext uri="{D42A27DB-BD31-4B8C-83A1-F6EECF244321}">
+                <p14:modId xmlns:p14="http://schemas.microsoft.com/office/powerpoint/2010/main" val="3186583053"/>
+              </p:ext>
+            </p:extLst>
+          </p:nvPr>
+        </p:nvGraphicFramePr>
+        <p:xfrm>
+          <a:off x="1828800" y="4800600"/>
+          <a:ext cx="2157412" cy="756579"/>
+        </p:xfrm>
+        <a:graphic>
+          <a:graphicData uri="http://schemas.openxmlformats.org/presentationml/2006/ole">
+            <mc:AlternateContent xmlns:mc="http://schemas.openxmlformats.org/markup-compatibility/2006">
+              <mc:Choice xmlns:v="urn:schemas-microsoft-com:vml" Requires="v">
+                <p:oleObj spid="_x0000_s53251" name="Equation" r:id="rId3" imgW="1170000" imgH="411120" progId="Equation.3">
+                  <p:embed/>
+                </p:oleObj>
+              </mc:Choice>
+              <mc:Fallback>
+                <p:oleObj name="Equation" r:id="rId3" imgW="1170000" imgH="411120" progId="Equation.3">
+                  <p:embed/>
+                  <p:pic>
+                    <p:nvPicPr>
+                      <p:cNvPr id="0" name=""/>
+                      <p:cNvPicPr>
+                        <a:picLocks noChangeAspect="1" noChangeArrowheads="1"/>
+                      </p:cNvPicPr>
+                      <p:nvPr/>
+                    </p:nvPicPr>
+                    <p:blipFill>
+                      <a:blip r:embed="rId4">
+                        <a:extLst>
+                          <a:ext uri="{28A0092B-C50C-407E-A947-70E740481C1C}">
+                            <a14:useLocalDpi xmlns:a14="http://schemas.microsoft.com/office/drawing/2010/main" val="0"/>
+                          </a:ext>
+                        </a:extLst>
+                      </a:blip>
+                      <a:srcRect/>
+                      <a:stretch>
+                        <a:fillRect/>
+                      </a:stretch>
+                    </p:blipFill>
+                    <p:spPr bwMode="auto">
+                      <a:xfrm>
+                        <a:off x="1828800" y="4800600"/>
+                        <a:ext cx="2157412" cy="756579"/>
+                      </a:xfrm>
+                      <a:prstGeom prst="rect">
+                        <a:avLst/>
+                      </a:prstGeom>
+                      <a:noFill/>
+                      <a:extLst>
+                        <a:ext uri="{909E8E84-426E-40dd-AFC4-6F175D3DCCD1}">
+                          <a14:hiddenFill xmlns:a14="http://schemas.microsoft.com/office/drawing/2010/main">
+                            <a:solidFill>
+                              <a:srgbClr val="FFFFFF"/>
+                            </a:solidFill>
+                          </a14:hiddenFill>
+                        </a:ext>
+                      </a:extLst>
+                    </p:spPr>
+                  </p:pic>
+                </p:oleObj>
+              </mc:Fallback>
+            </mc:AlternateContent>
+          </a:graphicData>
+        </a:graphic>
+      </p:graphicFrame>
+      <p:graphicFrame>
+        <p:nvGraphicFramePr>
+          <p:cNvPr id="8" name="Object 1"/>
+          <p:cNvGraphicFramePr>
+            <a:graphicFrameLocks noChangeAspect="1"/>
+          </p:cNvGraphicFramePr>
+          <p:nvPr>
+            <p:extLst>
+              <p:ext uri="{D42A27DB-BD31-4B8C-83A1-F6EECF244321}">
+                <p14:modId xmlns:p14="http://schemas.microsoft.com/office/powerpoint/2010/main" val="1449834489"/>
+              </p:ext>
+            </p:extLst>
+          </p:nvPr>
+        </p:nvGraphicFramePr>
+        <p:xfrm>
+          <a:off x="5181600" y="4800600"/>
+          <a:ext cx="2295525" cy="757238"/>
+        </p:xfrm>
+        <a:graphic>
+          <a:graphicData uri="http://schemas.openxmlformats.org/presentationml/2006/ole">
+            <mc:AlternateContent xmlns:mc="http://schemas.openxmlformats.org/markup-compatibility/2006">
+              <mc:Choice xmlns:v="urn:schemas-microsoft-com:vml" Requires="v">
+                <p:oleObj spid="_x0000_s53252" name="Equation" r:id="rId5" imgW="1243080" imgH="411120" progId="Equation.DSMT4">
+                  <p:embed/>
+                </p:oleObj>
+              </mc:Choice>
+              <mc:Fallback>
+                <p:oleObj name="Equation" r:id="rId5" imgW="1243080" imgH="411120" progId="Equation.DSMT4">
+                  <p:embed/>
+                  <p:pic>
+                    <p:nvPicPr>
+                      <p:cNvPr id="0" name=""/>
+                      <p:cNvPicPr>
+                        <a:picLocks noChangeAspect="1" noChangeArrowheads="1"/>
+                      </p:cNvPicPr>
+                      <p:nvPr/>
+                    </p:nvPicPr>
+                    <p:blipFill>
+                      <a:blip r:embed="rId6">
+                        <a:extLst>
+                          <a:ext uri="{28A0092B-C50C-407E-A947-70E740481C1C}">
+                            <a14:useLocalDpi xmlns:a14="http://schemas.microsoft.com/office/drawing/2010/main" val="0"/>
+                          </a:ext>
+                        </a:extLst>
+                      </a:blip>
+                      <a:srcRect/>
+                      <a:stretch>
+                        <a:fillRect/>
+                      </a:stretch>
+                    </p:blipFill>
+                    <p:spPr bwMode="auto">
+                      <a:xfrm>
+                        <a:off x="5181600" y="4800600"/>
+                        <a:ext cx="2295525" cy="757238"/>
+                      </a:xfrm>
+                      <a:prstGeom prst="rect">
+                        <a:avLst/>
+                      </a:prstGeom>
+                      <a:noFill/>
+                      <a:extLst>
+                        <a:ext uri="{909E8E84-426E-40dd-AFC4-6F175D3DCCD1}">
+                          <a14:hiddenFill xmlns:a14="http://schemas.microsoft.com/office/drawing/2010/main">
+                            <a:solidFill>
+                              <a:srgbClr val="FFFFFF"/>
+                            </a:solidFill>
+                          </a14:hiddenFill>
+                        </a:ext>
+                      </a:extLst>
+                    </p:spPr>
+                  </p:pic>
+                </p:oleObj>
+              </mc:Fallback>
+            </mc:AlternateContent>
+          </a:graphicData>
+        </a:graphic>
+      </p:graphicFrame>
+      <p:sp>
+        <p:nvSpPr>
+          <p:cNvPr id="9" name="Slide Number Placeholder 8"/>
+          <p:cNvSpPr>
+            <a:spLocks noGrp="1"/>
+          </p:cNvSpPr>
+          <p:nvPr>
+            <p:ph type="sldNum" sz="quarter" idx="12"/>
+          </p:nvPr>
+        </p:nvSpPr>
+        <p:spPr/>
+        <p:txBody>
+          <a:bodyPr/>
+          <a:lstStyle/>
+          <a:p>
+            <a:fld id="{B6F15528-21DE-4FAA-801E-634DDDAF4B2B}" type="slidenum">
+              <a:rPr lang="en-US" smtClean="0"/>
+              <a:pPr/>
+              <a:t>20</a:t>
+            </a:fld>
+            <a:endParaRPr lang="en-US"/>
+          </a:p>
+        </p:txBody>
+      </p:sp>
+    </p:spTree>
+    <p:extLst>
+      <p:ext uri="{BB962C8B-B14F-4D97-AF65-F5344CB8AC3E}">
+        <p14:creationId xmlns:p14="http://schemas.microsoft.com/office/powerpoint/2010/main" val="3204926914"/>
+      </p:ext>
+    </p:extLst>
+  </p:cSld>
+  <p:clrMapOvr>
+    <a:masterClrMapping/>
+  </p:clrMapOvr>
+  <p:timing>
+    <p:tnLst>
+      <p:par>
+        <p:cTn xmlns:p14="http://schemas.microsoft.com/office/powerpoint/2010/main" id="1" dur="indefinite" restart="never" nodeType="tmRoot"/>
+      </p:par>
+    </p:tnLst>
+  </p:timing>
+</p:sld>
+</file>
+
+<file path=ppt/slides/slide21.xml><?xml version="1.0" encoding="utf-8"?>
+<p:sld xmlns:a="http://schemas.openxmlformats.org/drawingml/2006/main" xmlns:r="http://schemas.openxmlformats.org/officeDocument/2006/relationships" xmlns:p="http://schemas.openxmlformats.org/presentationml/2006/main">
+  <p:cSld>
+    <p:spTree>
+      <p:nvGrpSpPr>
+        <p:cNvPr id="1" name=""/>
+        <p:cNvGrpSpPr/>
+        <p:nvPr/>
+      </p:nvGrpSpPr>
+      <p:grpSpPr>
+        <a:xfrm>
+          <a:off x="0" y="0"/>
+          <a:ext cx="0" cy="0"/>
+          <a:chOff x="0" y="0"/>
+          <a:chExt cx="0" cy="0"/>
+        </a:xfrm>
+      </p:grpSpPr>
+      <p:sp>
+        <p:nvSpPr>
+          <p:cNvPr id="3" name="TextBox 2"/>
+          <p:cNvSpPr txBox="1"/>
+          <p:nvPr/>
+        </p:nvSpPr>
+        <p:spPr>
+          <a:xfrm>
+            <a:off x="3200400" y="240268"/>
+            <a:ext cx="2949132" cy="369332"/>
+          </a:xfrm>
+          <a:prstGeom prst="rect">
+            <a:avLst/>
+          </a:prstGeom>
+          <a:noFill/>
+        </p:spPr>
+        <p:txBody>
+          <a:bodyPr wrap="none" rtlCol="0">
+            <a:spAutoFit/>
+          </a:bodyPr>
+          <a:lstStyle/>
+          <a:p>
+            <a:r>
+              <a:rPr lang="en-US" b="1" dirty="0" smtClean="0">
+                <a:solidFill>
+                  <a:srgbClr val="FF0000"/>
+                </a:solidFill>
+              </a:rPr>
+              <a:t>FRAUNHOFER DIFFRACTION</a:t>
+            </a:r>
+            <a:endParaRPr lang="en-US" b="1" dirty="0">
+              <a:solidFill>
+                <a:srgbClr val="FF0000"/>
+              </a:solidFill>
+            </a:endParaRPr>
+          </a:p>
+        </p:txBody>
+      </p:sp>
+      <p:sp>
+        <p:nvSpPr>
+          <p:cNvPr id="4" name="TextBox 3"/>
+          <p:cNvSpPr txBox="1"/>
+          <p:nvPr/>
+        </p:nvSpPr>
+        <p:spPr>
+          <a:xfrm>
+            <a:off x="2362200" y="4419600"/>
+            <a:ext cx="4648200" cy="1815882"/>
+          </a:xfrm>
+          <a:prstGeom prst="rect">
+            <a:avLst/>
+          </a:prstGeom>
+          <a:noFill/>
+        </p:spPr>
+        <p:txBody>
+          <a:bodyPr wrap="square" rtlCol="0">
+            <a:spAutoFit/>
+          </a:bodyPr>
+          <a:lstStyle/>
+          <a:p>
+            <a:r>
+              <a:rPr lang="en-US" sz="1600" dirty="0" smtClean="0"/>
+              <a:t>Fourier transform with conjugated variables:</a:t>
+            </a:r>
+            <a:endParaRPr lang="en-US" sz="1600" dirty="0" smtClean="0">
+              <a:solidFill>
+                <a:srgbClr val="FF0000"/>
+              </a:solidFill>
+            </a:endParaRPr>
+          </a:p>
+          <a:p>
+            <a:r>
+              <a:rPr lang="en-US" sz="1600" dirty="0" smtClean="0"/>
+              <a:t>x ; </a:t>
+            </a:r>
+            <a:r>
+              <a:rPr lang="en-US" sz="1600" dirty="0" err="1" smtClean="0"/>
+              <a:t>f</a:t>
+            </a:r>
+            <a:r>
+              <a:rPr lang="en-US" sz="1600" baseline="-25000" dirty="0" err="1" smtClean="0"/>
+              <a:t>x</a:t>
+            </a:r>
+            <a:r>
+              <a:rPr lang="en-US" sz="1600" dirty="0" smtClean="0"/>
+              <a:t>=x/(</a:t>
+            </a:r>
+            <a:r>
+              <a:rPr lang="en-US" sz="1600" dirty="0" smtClean="0">
+                <a:latin typeface="Symbol" pitchFamily="18" charset="2"/>
+              </a:rPr>
+              <a:t>l </a:t>
+            </a:r>
+            <a:r>
+              <a:rPr lang="en-US" sz="1600" dirty="0" smtClean="0"/>
+              <a:t>z) ~ </a:t>
+            </a:r>
+            <a:r>
+              <a:rPr lang="en-US" sz="1600" dirty="0" err="1" smtClean="0"/>
+              <a:t>sin</a:t>
+            </a:r>
+            <a:r>
+              <a:rPr lang="en-US" sz="1600" dirty="0" err="1" smtClean="0">
+                <a:latin typeface="Symbol" pitchFamily="18" charset="2"/>
+              </a:rPr>
+              <a:t>q</a:t>
+            </a:r>
+            <a:r>
+              <a:rPr lang="en-US" sz="1600" dirty="0" smtClean="0">
+                <a:latin typeface="Symbol" pitchFamily="18" charset="2"/>
+              </a:rPr>
+              <a:t>/l </a:t>
+            </a:r>
+            <a:r>
+              <a:rPr lang="en-US" sz="1600" dirty="0" smtClean="0"/>
+              <a:t>(same for y)</a:t>
+            </a:r>
+          </a:p>
+          <a:p>
+            <a:endParaRPr lang="en-US" sz="1600" dirty="0" smtClean="0"/>
+          </a:p>
+          <a:p>
+            <a:endParaRPr lang="en-US" sz="1600" dirty="0"/>
+          </a:p>
+          <a:p>
+            <a:r>
+              <a:rPr lang="en-US" sz="1600" dirty="0" smtClean="0"/>
+              <a:t>The same shape for different distances</a:t>
+            </a:r>
+          </a:p>
+          <a:p>
+            <a:endParaRPr lang="en-US" sz="1600" dirty="0"/>
+          </a:p>
+          <a:p>
+            <a:endParaRPr lang="en-US" sz="1600" dirty="0" smtClean="0"/>
+          </a:p>
+        </p:txBody>
+      </p:sp>
+      <p:pic>
+        <p:nvPicPr>
+          <p:cNvPr id="180227" name="Picture 3"/>
+          <p:cNvPicPr>
+            <a:picLocks noChangeAspect="1" noChangeArrowheads="1"/>
+          </p:cNvPicPr>
+          <p:nvPr/>
+        </p:nvPicPr>
+        <p:blipFill>
+          <a:blip r:embed="rId2" cstate="print"/>
+          <a:srcRect/>
+          <a:stretch>
+            <a:fillRect/>
+          </a:stretch>
+        </p:blipFill>
+        <p:spPr bwMode="auto">
+          <a:xfrm>
+            <a:off x="533400" y="3124200"/>
+            <a:ext cx="8224207" cy="1303414"/>
+          </a:xfrm>
+          <a:prstGeom prst="rect">
+            <a:avLst/>
+          </a:prstGeom>
+          <a:noFill/>
+          <a:ln w="9525">
+            <a:noFill/>
+            <a:miter lim="800000"/>
+            <a:headEnd/>
+            <a:tailEnd/>
+          </a:ln>
+        </p:spPr>
+      </p:pic>
+      <p:pic>
+        <p:nvPicPr>
+          <p:cNvPr id="5" name="Picture 4"/>
+          <p:cNvPicPr>
+            <a:picLocks noChangeAspect="1"/>
+          </p:cNvPicPr>
+          <p:nvPr/>
+        </p:nvPicPr>
+        <p:blipFill>
+          <a:blip r:embed="rId3" cstate="print"/>
+          <a:stretch>
+            <a:fillRect/>
+          </a:stretch>
+        </p:blipFill>
+        <p:spPr>
+          <a:xfrm>
+            <a:off x="6553200" y="4114800"/>
+            <a:ext cx="1828800" cy="1180861"/>
+          </a:xfrm>
+          <a:prstGeom prst="rect">
+            <a:avLst/>
+          </a:prstGeom>
+        </p:spPr>
+      </p:pic>
+      <p:pic>
+        <p:nvPicPr>
+          <p:cNvPr id="21" name="Picture 20"/>
+          <p:cNvPicPr>
+            <a:picLocks noChangeAspect="1"/>
+          </p:cNvPicPr>
+          <p:nvPr/>
+        </p:nvPicPr>
+        <p:blipFill>
+          <a:blip r:embed="rId4" cstate="print"/>
+          <a:stretch>
+            <a:fillRect/>
+          </a:stretch>
+        </p:blipFill>
+        <p:spPr>
+          <a:xfrm rot="5400000">
+            <a:off x="5346701" y="1536701"/>
+            <a:ext cx="1346198" cy="762000"/>
+          </a:xfrm>
+          <a:prstGeom prst="rect">
+            <a:avLst/>
+          </a:prstGeom>
+        </p:spPr>
+      </p:pic>
+      <p:pic>
+        <p:nvPicPr>
+          <p:cNvPr id="22" name="Picture 21"/>
+          <p:cNvPicPr>
+            <a:picLocks noChangeAspect="1"/>
+          </p:cNvPicPr>
+          <p:nvPr/>
+        </p:nvPicPr>
+        <p:blipFill>
+          <a:blip r:embed="rId5" cstate="print"/>
+          <a:stretch>
+            <a:fillRect/>
+          </a:stretch>
+        </p:blipFill>
+        <p:spPr>
+          <a:xfrm rot="5400000">
+            <a:off x="7044932" y="1337068"/>
+            <a:ext cx="1955799" cy="1262864"/>
+          </a:xfrm>
+          <a:prstGeom prst="rect">
+            <a:avLst/>
+          </a:prstGeom>
+        </p:spPr>
+      </p:pic>
+      <p:sp>
+        <p:nvSpPr>
+          <p:cNvPr id="23" name="TextBox 22"/>
+          <p:cNvSpPr txBox="1"/>
+          <p:nvPr/>
+        </p:nvSpPr>
+        <p:spPr>
+          <a:xfrm>
+            <a:off x="762000" y="6477000"/>
+            <a:ext cx="7848600" cy="307777"/>
+          </a:xfrm>
+          <a:prstGeom prst="rect">
+            <a:avLst/>
+          </a:prstGeom>
+          <a:noFill/>
+        </p:spPr>
+        <p:txBody>
+          <a:bodyPr wrap="square" rtlCol="0">
+            <a:spAutoFit/>
+          </a:bodyPr>
+          <a:lstStyle/>
+          <a:p>
+            <a:r>
+              <a:rPr lang="en-US" sz="1400" b="1" dirty="0" smtClean="0">
+                <a:solidFill>
+                  <a:srgbClr val="0070C0"/>
+                </a:solidFill>
+                <a:latin typeface="Courier" pitchFamily="49" charset="0"/>
+              </a:rPr>
+              <a:t>F1 = np.fft.fft2(image)  # Take the </a:t>
+            </a:r>
+            <a:r>
+              <a:rPr lang="en-US" sz="1400" b="1" dirty="0" err="1" smtClean="0">
+                <a:solidFill>
+                  <a:srgbClr val="0070C0"/>
+                </a:solidFill>
+                <a:latin typeface="Courier" pitchFamily="49" charset="0"/>
+              </a:rPr>
+              <a:t>fourier</a:t>
+            </a:r>
+            <a:r>
+              <a:rPr lang="en-US" sz="1400" b="1" dirty="0" smtClean="0">
+                <a:solidFill>
+                  <a:srgbClr val="0070C0"/>
+                </a:solidFill>
+                <a:latin typeface="Courier" pitchFamily="49" charset="0"/>
+              </a:rPr>
+              <a:t> transform of the image</a:t>
+            </a:r>
+          </a:p>
+        </p:txBody>
+      </p:sp>
+      <p:pic>
+        <p:nvPicPr>
+          <p:cNvPr id="2" name="Picture 1"/>
+          <p:cNvPicPr>
+            <a:picLocks noChangeAspect="1"/>
+          </p:cNvPicPr>
+          <p:nvPr/>
+        </p:nvPicPr>
+        <p:blipFill>
+          <a:blip r:embed="rId6" cstate="print"/>
+          <a:stretch>
+            <a:fillRect/>
+          </a:stretch>
+        </p:blipFill>
+        <p:spPr>
+          <a:xfrm>
+            <a:off x="1066800" y="588894"/>
+            <a:ext cx="3124200" cy="2669154"/>
+          </a:xfrm>
+          <a:prstGeom prst="rect">
+            <a:avLst/>
+          </a:prstGeom>
+        </p:spPr>
+      </p:pic>
+      <p:cxnSp>
+        <p:nvCxnSpPr>
+          <p:cNvPr id="7" name="Straight Arrow Connector 6"/>
+          <p:cNvCxnSpPr/>
+          <p:nvPr/>
+        </p:nvCxnSpPr>
+        <p:spPr>
+          <a:xfrm>
+            <a:off x="6553200" y="5410200"/>
+            <a:ext cx="1828800" cy="0"/>
+          </a:xfrm>
+          <a:prstGeom prst="straightConnector1">
+            <a:avLst/>
+          </a:prstGeom>
+          <a:ln>
+            <a:tailEnd type="arrow"/>
+          </a:ln>
+        </p:spPr>
+        <p:style>
+          <a:lnRef idx="2">
+            <a:schemeClr val="accent1"/>
+          </a:lnRef>
+          <a:fillRef idx="0">
+            <a:schemeClr val="accent1"/>
+          </a:fillRef>
+          <a:effectRef idx="1">
+            <a:schemeClr val="accent1"/>
+          </a:effectRef>
+          <a:fontRef idx="minor">
+            <a:schemeClr val="tx1"/>
+          </a:fontRef>
+        </p:style>
+      </p:cxnSp>
+      <p:sp>
+        <p:nvSpPr>
+          <p:cNvPr id="9" name="TextBox 8"/>
+          <p:cNvSpPr txBox="1"/>
+          <p:nvPr/>
+        </p:nvSpPr>
+        <p:spPr>
+          <a:xfrm>
+            <a:off x="6400800" y="5486400"/>
+            <a:ext cx="2514600" cy="369332"/>
+          </a:xfrm>
+          <a:prstGeom prst="rect">
+            <a:avLst/>
+          </a:prstGeom>
+          <a:noFill/>
+        </p:spPr>
+        <p:txBody>
+          <a:bodyPr wrap="square" rtlCol="0">
+            <a:spAutoFit/>
+          </a:bodyPr>
+          <a:lstStyle/>
+          <a:p>
+            <a:r>
+              <a:rPr lang="en-US" dirty="0" err="1"/>
+              <a:t>f</a:t>
+            </a:r>
+            <a:r>
+              <a:rPr lang="en-US" baseline="-25000" dirty="0" err="1"/>
+              <a:t>x</a:t>
+            </a:r>
+            <a:r>
+              <a:rPr lang="en-US" dirty="0"/>
+              <a:t>=x/(</a:t>
+            </a:r>
+            <a:r>
+              <a:rPr lang="en-US" dirty="0">
+                <a:latin typeface="Symbol" pitchFamily="18" charset="2"/>
+              </a:rPr>
+              <a:t>l </a:t>
+            </a:r>
+            <a:r>
+              <a:rPr lang="en-US" dirty="0"/>
+              <a:t>z) ~ </a:t>
+            </a:r>
+            <a:r>
+              <a:rPr lang="en-US" dirty="0" err="1" smtClean="0"/>
+              <a:t>sin</a:t>
+            </a:r>
+            <a:r>
+              <a:rPr lang="en-US" dirty="0" err="1" smtClean="0">
+                <a:latin typeface="Symbol" pitchFamily="18" charset="2"/>
+              </a:rPr>
+              <a:t>q</a:t>
+            </a:r>
+            <a:r>
+              <a:rPr lang="en-US" dirty="0" smtClean="0">
+                <a:latin typeface="Symbol" pitchFamily="18" charset="2"/>
+              </a:rPr>
+              <a:t>/l</a:t>
+            </a:r>
+            <a:r>
+              <a:rPr lang="en-US" dirty="0" smtClean="0"/>
+              <a:t> ~ </a:t>
+            </a:r>
+            <a:r>
+              <a:rPr lang="en-US" dirty="0" smtClean="0">
+                <a:latin typeface="Symbol" pitchFamily="18" charset="2"/>
+              </a:rPr>
+              <a:t>q/l</a:t>
+            </a:r>
+            <a:endParaRPr lang="en-US" dirty="0" smtClean="0"/>
+          </a:p>
+        </p:txBody>
+      </p:sp>
+      <p:cxnSp>
+        <p:nvCxnSpPr>
+          <p:cNvPr id="15" name="Straight Arrow Connector 14"/>
+          <p:cNvCxnSpPr/>
+          <p:nvPr/>
+        </p:nvCxnSpPr>
+        <p:spPr>
+          <a:xfrm>
+            <a:off x="4572000" y="3124200"/>
+            <a:ext cx="3733800" cy="0"/>
+          </a:xfrm>
+          <a:prstGeom prst="straightConnector1">
+            <a:avLst/>
+          </a:prstGeom>
+          <a:ln>
+            <a:tailEnd type="arrow"/>
+          </a:ln>
+        </p:spPr>
+        <p:style>
+          <a:lnRef idx="2">
+            <a:schemeClr val="accent1"/>
+          </a:lnRef>
+          <a:fillRef idx="0">
+            <a:schemeClr val="accent1"/>
+          </a:fillRef>
+          <a:effectRef idx="1">
+            <a:schemeClr val="accent1"/>
+          </a:effectRef>
+          <a:fontRef idx="minor">
+            <a:schemeClr val="tx1"/>
+          </a:fontRef>
+        </p:style>
+      </p:cxnSp>
+      <p:sp>
+        <p:nvSpPr>
+          <p:cNvPr id="17" name="TextBox 16"/>
+          <p:cNvSpPr txBox="1"/>
+          <p:nvPr/>
+        </p:nvSpPr>
+        <p:spPr>
+          <a:xfrm>
+            <a:off x="5486400" y="2819400"/>
+            <a:ext cx="2895600" cy="369332"/>
+          </a:xfrm>
+          <a:prstGeom prst="rect">
+            <a:avLst/>
+          </a:prstGeom>
+          <a:noFill/>
+        </p:spPr>
+        <p:txBody>
+          <a:bodyPr wrap="square" rtlCol="0">
+            <a:spAutoFit/>
+          </a:bodyPr>
+          <a:lstStyle/>
+          <a:p>
+            <a:r>
+              <a:rPr lang="en-US" dirty="0"/>
+              <a:t>z</a:t>
+            </a:r>
+            <a:r>
+              <a:rPr lang="en-US" dirty="0" smtClean="0"/>
+              <a:t>1                              z2</a:t>
+            </a:r>
+          </a:p>
+        </p:txBody>
+      </p:sp>
+      <p:sp>
+        <p:nvSpPr>
+          <p:cNvPr id="14" name="Slide Number Placeholder 13"/>
+          <p:cNvSpPr>
+            <a:spLocks noGrp="1"/>
+          </p:cNvSpPr>
+          <p:nvPr>
+            <p:ph type="sldNum" sz="quarter" idx="12"/>
+          </p:nvPr>
+        </p:nvSpPr>
+        <p:spPr/>
+        <p:txBody>
+          <a:bodyPr/>
+          <a:lstStyle/>
+          <a:p>
+            <a:fld id="{B6F15528-21DE-4FAA-801E-634DDDAF4B2B}" type="slidenum">
+              <a:rPr lang="en-US" smtClean="0"/>
+              <a:pPr/>
+              <a:t>21</a:t>
+            </a:fld>
+            <a:endParaRPr lang="en-US"/>
+          </a:p>
+        </p:txBody>
+      </p:sp>
+    </p:spTree>
+    <p:extLst>
+      <p:ext uri="{BB962C8B-B14F-4D97-AF65-F5344CB8AC3E}">
+        <p14:creationId xmlns:p14="http://schemas.microsoft.com/office/powerpoint/2010/main" val="2157724290"/>
+      </p:ext>
+    </p:extLst>
+  </p:cSld>
+  <p:clrMapOvr>
+    <a:masterClrMapping/>
+  </p:clrMapOvr>
+  <p:timing>
+    <p:tnLst>
+      <p:par>
+        <p:cTn xmlns:p14="http://schemas.microsoft.com/office/powerpoint/2010/main" id="1" dur="indefinite" restart="never" nodeType="tmRoot"/>
+      </p:par>
+    </p:tnLst>
+  </p:timing>
+</p:sld>
+</file>
+
+<file path=ppt/slides/slide22.xml><?xml version="1.0" encoding="utf-8"?>
+<p:sld xmlns:a="http://schemas.openxmlformats.org/drawingml/2006/main" xmlns:r="http://schemas.openxmlformats.org/officeDocument/2006/relationships" xmlns:p="http://schemas.openxmlformats.org/presentationml/2006/main">
+  <p:cSld>
+    <p:spTree>
+      <p:nvGrpSpPr>
+        <p:cNvPr id="1" name=""/>
+        <p:cNvGrpSpPr/>
+        <p:nvPr/>
+      </p:nvGrpSpPr>
+      <p:grpSpPr>
+        <a:xfrm>
+          <a:off x="0" y="0"/>
+          <a:ext cx="0" cy="0"/>
+          <a:chOff x="0" y="0"/>
+          <a:chExt cx="0" cy="0"/>
+        </a:xfrm>
+      </p:grpSpPr>
+      <p:pic>
+        <p:nvPicPr>
+          <p:cNvPr id="86018" name="Picture 2" descr="http://upload.wikimedia.org/wikipedia/commons/thumb/a/a2/Diffraction_geometry.svg/350px-Diffraction_geometry.svg.png"/>
+          <p:cNvPicPr>
+            <a:picLocks noChangeAspect="1" noChangeArrowheads="1"/>
+          </p:cNvPicPr>
+          <p:nvPr/>
+        </p:nvPicPr>
+        <p:blipFill>
+          <a:blip r:embed="rId2" cstate="print"/>
+          <a:srcRect/>
+          <a:stretch>
+            <a:fillRect/>
+          </a:stretch>
+        </p:blipFill>
+        <p:spPr bwMode="auto">
+          <a:xfrm>
+            <a:off x="685800" y="685800"/>
+            <a:ext cx="3352800" cy="2193690"/>
+          </a:xfrm>
+          <a:prstGeom prst="rect">
+            <a:avLst/>
+          </a:prstGeom>
+          <a:noFill/>
+        </p:spPr>
+      </p:pic>
+      <p:sp>
+        <p:nvSpPr>
+          <p:cNvPr id="6" name="TextBox 2"/>
+          <p:cNvSpPr txBox="1"/>
+          <p:nvPr/>
+        </p:nvSpPr>
+        <p:spPr>
+          <a:xfrm>
+            <a:off x="3352800" y="228600"/>
+            <a:ext cx="2351650" cy="369332"/>
+          </a:xfrm>
+          <a:prstGeom prst="rect">
+            <a:avLst/>
+          </a:prstGeom>
+          <a:noFill/>
+        </p:spPr>
+        <p:txBody>
+          <a:bodyPr wrap="none" rtlCol="0">
+            <a:spAutoFit/>
+          </a:bodyPr>
+          <a:lstStyle/>
+          <a:p>
+            <a:r>
+              <a:rPr lang="en-US" b="1" dirty="0" smtClean="0">
+                <a:solidFill>
+                  <a:srgbClr val="FF0000"/>
+                </a:solidFill>
+              </a:rPr>
+              <a:t>FRESNEL DIFFRACTION</a:t>
+            </a:r>
+            <a:endParaRPr lang="en-US" b="1" dirty="0">
+              <a:solidFill>
+                <a:srgbClr val="FF0000"/>
+              </a:solidFill>
+            </a:endParaRPr>
+          </a:p>
+        </p:txBody>
+      </p:sp>
+      <p:pic>
+        <p:nvPicPr>
+          <p:cNvPr id="191489" name="Picture 1"/>
+          <p:cNvPicPr>
+            <a:picLocks noChangeAspect="1" noChangeArrowheads="1"/>
+          </p:cNvPicPr>
+          <p:nvPr/>
+        </p:nvPicPr>
+        <p:blipFill>
+          <a:blip r:embed="rId3" cstate="print"/>
+          <a:srcRect/>
+          <a:stretch>
+            <a:fillRect/>
+          </a:stretch>
+        </p:blipFill>
+        <p:spPr bwMode="auto">
+          <a:xfrm>
+            <a:off x="3768090" y="685800"/>
+            <a:ext cx="2861310" cy="1012853"/>
+          </a:xfrm>
+          <a:prstGeom prst="rect">
+            <a:avLst/>
+          </a:prstGeom>
+          <a:noFill/>
+          <a:ln w="9525">
+            <a:noFill/>
+            <a:miter lim="800000"/>
+            <a:headEnd/>
+            <a:tailEnd/>
+          </a:ln>
+        </p:spPr>
+      </p:pic>
+      <p:pic>
+        <p:nvPicPr>
+          <p:cNvPr id="191490" name="Picture 2"/>
+          <p:cNvPicPr>
+            <a:picLocks noChangeAspect="1" noChangeArrowheads="1"/>
+          </p:cNvPicPr>
+          <p:nvPr/>
+        </p:nvPicPr>
+        <p:blipFill>
+          <a:blip r:embed="rId4" cstate="print"/>
+          <a:srcRect/>
+          <a:stretch>
+            <a:fillRect/>
+          </a:stretch>
+        </p:blipFill>
+        <p:spPr bwMode="auto">
+          <a:xfrm>
+            <a:off x="3740150" y="2057400"/>
+            <a:ext cx="2889250" cy="990600"/>
+          </a:xfrm>
+          <a:prstGeom prst="rect">
+            <a:avLst/>
+          </a:prstGeom>
+          <a:noFill/>
+          <a:ln w="9525">
+            <a:noFill/>
+            <a:miter lim="800000"/>
+            <a:headEnd/>
+            <a:tailEnd/>
+          </a:ln>
+        </p:spPr>
+      </p:pic>
+      <p:pic>
+        <p:nvPicPr>
+          <p:cNvPr id="191491" name="Picture 3"/>
+          <p:cNvPicPr>
+            <a:picLocks noChangeAspect="1" noChangeArrowheads="1"/>
+          </p:cNvPicPr>
+          <p:nvPr/>
+        </p:nvPicPr>
+        <p:blipFill>
+          <a:blip r:embed="rId5" cstate="print"/>
+          <a:srcRect/>
+          <a:stretch>
+            <a:fillRect/>
+          </a:stretch>
+        </p:blipFill>
+        <p:spPr bwMode="auto">
+          <a:xfrm>
+            <a:off x="1066800" y="3124200"/>
+            <a:ext cx="7202507" cy="838200"/>
+          </a:xfrm>
+          <a:prstGeom prst="rect">
+            <a:avLst/>
+          </a:prstGeom>
+          <a:noFill/>
+          <a:ln w="9525">
+            <a:noFill/>
+            <a:miter lim="800000"/>
+            <a:headEnd/>
+            <a:tailEnd/>
+          </a:ln>
+        </p:spPr>
+      </p:pic>
+      <p:pic>
+        <p:nvPicPr>
+          <p:cNvPr id="191492" name="Picture 4"/>
+          <p:cNvPicPr>
+            <a:picLocks noChangeAspect="1" noChangeArrowheads="1"/>
+          </p:cNvPicPr>
+          <p:nvPr/>
+        </p:nvPicPr>
+        <p:blipFill>
+          <a:blip r:embed="rId6" cstate="print"/>
+          <a:srcRect/>
+          <a:stretch>
+            <a:fillRect/>
+          </a:stretch>
+        </p:blipFill>
+        <p:spPr bwMode="auto">
+          <a:xfrm>
+            <a:off x="228600" y="4724400"/>
+            <a:ext cx="8771670" cy="1600200"/>
+          </a:xfrm>
+          <a:prstGeom prst="rect">
+            <a:avLst/>
+          </a:prstGeom>
+          <a:noFill/>
+          <a:ln w="9525">
+            <a:noFill/>
+            <a:miter lim="800000"/>
+            <a:headEnd/>
+            <a:tailEnd/>
+          </a:ln>
+        </p:spPr>
+      </p:pic>
+      <p:sp>
+        <p:nvSpPr>
+          <p:cNvPr id="10" name="TextBox 9"/>
+          <p:cNvSpPr txBox="1"/>
+          <p:nvPr/>
+        </p:nvSpPr>
+        <p:spPr>
+          <a:xfrm>
+            <a:off x="152400" y="3962400"/>
+            <a:ext cx="5447149" cy="369332"/>
+          </a:xfrm>
+          <a:prstGeom prst="rect">
+            <a:avLst/>
+          </a:prstGeom>
+          <a:noFill/>
+        </p:spPr>
+        <p:txBody>
+          <a:bodyPr wrap="none" rtlCol="0">
+            <a:spAutoFit/>
+          </a:bodyPr>
+          <a:lstStyle/>
+          <a:p>
+            <a:r>
+              <a:rPr lang="en-US" dirty="0" smtClean="0"/>
+              <a:t>Numeric calculation: convolution with a </a:t>
+            </a:r>
+            <a:r>
+              <a:rPr lang="en-US" dirty="0" smtClean="0">
+                <a:solidFill>
+                  <a:srgbClr val="3366FF"/>
+                </a:solidFill>
+              </a:rPr>
+              <a:t>Gaussian kernel </a:t>
+            </a:r>
+            <a:endParaRPr lang="en-US" dirty="0">
+              <a:solidFill>
+                <a:srgbClr val="3366FF"/>
+              </a:solidFill>
+            </a:endParaRPr>
+          </a:p>
+        </p:txBody>
+      </p:sp>
+      <p:sp>
+        <p:nvSpPr>
+          <p:cNvPr id="13" name="Rectangle 12"/>
+          <p:cNvSpPr/>
+          <p:nvPr/>
+        </p:nvSpPr>
+        <p:spPr>
+          <a:xfrm>
+            <a:off x="152400" y="4419600"/>
+            <a:ext cx="1757276" cy="400110"/>
+          </a:xfrm>
+          <a:prstGeom prst="rect">
+            <a:avLst/>
+          </a:prstGeom>
+        </p:spPr>
+        <p:txBody>
+          <a:bodyPr wrap="none">
+            <a:spAutoFit/>
+          </a:bodyPr>
+          <a:lstStyle/>
+          <a:p>
+            <a:pPr lvl="0"/>
+            <a:r>
+              <a:rPr lang="en-US" sz="2000" dirty="0" smtClean="0">
+                <a:solidFill>
+                  <a:prstClr val="black"/>
+                </a:solidFill>
+              </a:rPr>
+              <a:t>CONVOLUTION</a:t>
+            </a:r>
+            <a:endParaRPr lang="en-US" sz="2000" dirty="0">
+              <a:solidFill>
+                <a:prstClr val="black"/>
+              </a:solidFill>
+            </a:endParaRPr>
+          </a:p>
+        </p:txBody>
+      </p:sp>
+      <p:pic>
+        <p:nvPicPr>
+          <p:cNvPr id="11" name="Picture 1"/>
+          <p:cNvPicPr>
+            <a:picLocks noChangeAspect="1" noChangeArrowheads="1"/>
+          </p:cNvPicPr>
+          <p:nvPr/>
+        </p:nvPicPr>
+        <p:blipFill>
+          <a:blip r:embed="rId7" cstate="print"/>
+          <a:srcRect/>
+          <a:stretch>
+            <a:fillRect/>
+          </a:stretch>
+        </p:blipFill>
+        <p:spPr bwMode="auto">
+          <a:xfrm>
+            <a:off x="6443663" y="762000"/>
+            <a:ext cx="2776537" cy="2228850"/>
+          </a:xfrm>
+          <a:prstGeom prst="rect">
+            <a:avLst/>
+          </a:prstGeom>
+          <a:noFill/>
+          <a:ln w="9525">
+            <a:noFill/>
+            <a:miter lim="800000"/>
+            <a:headEnd/>
+            <a:tailEnd/>
+          </a:ln>
+        </p:spPr>
+      </p:pic>
+      <p:sp>
+        <p:nvSpPr>
+          <p:cNvPr id="2" name="Rectangle 1"/>
+          <p:cNvSpPr/>
+          <p:nvPr/>
+        </p:nvSpPr>
+        <p:spPr>
+          <a:xfrm>
+            <a:off x="4343400" y="3200400"/>
+            <a:ext cx="2819400" cy="762000"/>
+          </a:xfrm>
+          <a:prstGeom prst="rect">
+            <a:avLst/>
+          </a:prstGeom>
+          <a:noFill/>
+        </p:spPr>
+        <p:style>
+          <a:lnRef idx="1">
+            <a:schemeClr val="accent1"/>
+          </a:lnRef>
+          <a:fillRef idx="3">
+            <a:schemeClr val="accent1"/>
+          </a:fillRef>
+          <a:effectRef idx="2">
+            <a:schemeClr val="accent1"/>
+          </a:effectRef>
+          <a:fontRef idx="minor">
+            <a:schemeClr val="lt1"/>
+          </a:fontRef>
+        </p:style>
+        <p:txBody>
+          <a:bodyPr rtlCol="0" anchor="ctr"/>
+          <a:lstStyle/>
+          <a:p>
+            <a:pPr algn="ctr"/>
+            <a:endParaRPr lang="en-US"/>
+          </a:p>
+        </p:txBody>
+      </p:sp>
+      <p:sp>
+        <p:nvSpPr>
+          <p:cNvPr id="12" name="Slide Number Placeholder 11"/>
+          <p:cNvSpPr>
+            <a:spLocks noGrp="1"/>
+          </p:cNvSpPr>
+          <p:nvPr>
+            <p:ph type="sldNum" sz="quarter" idx="12"/>
+          </p:nvPr>
+        </p:nvSpPr>
+        <p:spPr/>
+        <p:txBody>
+          <a:bodyPr/>
+          <a:lstStyle/>
+          <a:p>
+            <a:fld id="{B6F15528-21DE-4FAA-801E-634DDDAF4B2B}" type="slidenum">
+              <a:rPr lang="en-US" smtClean="0"/>
+              <a:pPr/>
+              <a:t>22</a:t>
+            </a:fld>
+            <a:endParaRPr lang="en-US"/>
+          </a:p>
+        </p:txBody>
+      </p:sp>
+    </p:spTree>
+    <p:extLst>
+      <p:ext uri="{BB962C8B-B14F-4D97-AF65-F5344CB8AC3E}">
+        <p14:creationId xmlns:p14="http://schemas.microsoft.com/office/powerpoint/2010/main" val="3116985504"/>
+      </p:ext>
+    </p:extLst>
+  </p:cSld>
+  <p:clrMapOvr>
+    <a:masterClrMapping/>
+  </p:clrMapOvr>
+  <p:timing>
+    <p:tnLst>
+      <p:par>
+        <p:cTn xmlns:p14="http://schemas.microsoft.com/office/powerpoint/2010/main" id="1" dur="indefinite" restart="never" nodeType="tmRoot"/>
+      </p:par>
+    </p:tnLst>
+  </p:timing>
+</p:sld>
+</file>
+
+<file path=ppt/slides/slide23.xml><?xml version="1.0" encoding="utf-8"?>
+<p:sld xmlns:a="http://schemas.openxmlformats.org/drawingml/2006/main" xmlns:r="http://schemas.openxmlformats.org/officeDocument/2006/relationships" xmlns:p="http://schemas.openxmlformats.org/presentationml/2006/main">
+  <p:cSld>
+    <p:spTree>
+      <p:nvGrpSpPr>
+        <p:cNvPr id="1" name=""/>
+        <p:cNvGrpSpPr/>
+        <p:nvPr/>
+      </p:nvGrpSpPr>
+      <p:grpSpPr>
+        <a:xfrm>
+          <a:off x="0" y="0"/>
+          <a:ext cx="0" cy="0"/>
+          <a:chOff x="0" y="0"/>
+          <a:chExt cx="0" cy="0"/>
+        </a:xfrm>
+      </p:grpSpPr>
+      <p:graphicFrame>
+        <p:nvGraphicFramePr>
+          <p:cNvPr id="33793" name="Object 1"/>
+          <p:cNvGraphicFramePr>
+            <a:graphicFrameLocks noChangeAspect="1"/>
+          </p:cNvGraphicFramePr>
+          <p:nvPr>
+            <p:extLst>
+              <p:ext uri="{D42A27DB-BD31-4B8C-83A1-F6EECF244321}">
+                <p14:modId xmlns:p14="http://schemas.microsoft.com/office/powerpoint/2010/main" val="1053772238"/>
+              </p:ext>
+            </p:extLst>
+          </p:nvPr>
+        </p:nvGraphicFramePr>
+        <p:xfrm>
+          <a:off x="1187450" y="1843088"/>
+          <a:ext cx="6737350" cy="1158875"/>
+        </p:xfrm>
+        <a:graphic>
+          <a:graphicData uri="http://schemas.openxmlformats.org/presentationml/2006/ole">
+            <mc:AlternateContent xmlns:mc="http://schemas.openxmlformats.org/markup-compatibility/2006">
+              <mc:Choice xmlns:v="urn:schemas-microsoft-com:vml" Requires="v">
+                <p:oleObj spid="_x0000_s54273" name="Equation" r:id="rId3" imgW="4025900" imgH="698500" progId="Equation.DSMT4">
+                  <p:embed/>
+                </p:oleObj>
+              </mc:Choice>
+              <mc:Fallback>
+                <p:oleObj name="Equation" r:id="rId3" imgW="4025900" imgH="698500" progId="Equation.DSMT4">
+                  <p:embed/>
+                  <p:pic>
+                    <p:nvPicPr>
+                      <p:cNvPr id="0" name=""/>
+                      <p:cNvPicPr>
+                        <a:picLocks noChangeAspect="1" noChangeArrowheads="1"/>
+                      </p:cNvPicPr>
+                      <p:nvPr/>
+                    </p:nvPicPr>
+                    <p:blipFill>
+                      <a:blip r:embed="rId4"/>
+                      <a:srcRect/>
+                      <a:stretch>
+                        <a:fillRect/>
+                      </a:stretch>
+                    </p:blipFill>
+                    <p:spPr bwMode="auto">
+                      <a:xfrm>
+                        <a:off x="1187450" y="1843088"/>
+                        <a:ext cx="6737350" cy="1158875"/>
+                      </a:xfrm>
+                      <a:prstGeom prst="rect">
+                        <a:avLst/>
+                      </a:prstGeom>
+                      <a:noFill/>
+                      <a:extLst>
+                        <a:ext uri="{909E8E84-426E-40dd-AFC4-6F175D3DCCD1}">
+                          <a14:hiddenFill xmlns:a14="http://schemas.microsoft.com/office/drawing/2010/main">
+                            <a:solidFill>
+                              <a:srgbClr val="FFFFFF"/>
+                            </a:solidFill>
+                          </a14:hiddenFill>
+                        </a:ext>
+                      </a:extLst>
+                    </p:spPr>
+                  </p:pic>
+                </p:oleObj>
+              </mc:Fallback>
+            </mc:AlternateContent>
+          </a:graphicData>
+        </a:graphic>
+      </p:graphicFrame>
+      <p:sp>
+        <p:nvSpPr>
+          <p:cNvPr id="4" name="TextBox 3"/>
+          <p:cNvSpPr txBox="1"/>
+          <p:nvPr/>
+        </p:nvSpPr>
+        <p:spPr>
+          <a:xfrm>
+            <a:off x="381000" y="177225"/>
+            <a:ext cx="8153400" cy="800219"/>
+          </a:xfrm>
+          <a:prstGeom prst="rect">
+            <a:avLst/>
+          </a:prstGeom>
+          <a:noFill/>
+        </p:spPr>
+        <p:txBody>
+          <a:bodyPr wrap="square" rtlCol="0">
+            <a:spAutoFit/>
+          </a:bodyPr>
+          <a:lstStyle/>
+          <a:p>
+            <a:r>
+              <a:rPr lang="en-US" dirty="0" smtClean="0">
+                <a:solidFill>
+                  <a:srgbClr val="0070C0"/>
+                </a:solidFill>
+              </a:rPr>
+              <a:t>Quantifying efficiency of the source to emit coherent radiation: </a:t>
+            </a:r>
+            <a:endParaRPr lang="en-US" sz="3200" dirty="0" smtClean="0">
+              <a:solidFill>
+                <a:srgbClr val="0070C0"/>
+              </a:solidFill>
+            </a:endParaRPr>
+          </a:p>
+          <a:p>
+            <a:r>
+              <a:rPr lang="en-US" sz="2800" dirty="0" smtClean="0">
+                <a:solidFill>
+                  <a:srgbClr val="0070C0"/>
+                </a:solidFill>
+              </a:rPr>
+              <a:t>coherent fraction for SR lattices </a:t>
+            </a:r>
+            <a:r>
+              <a:rPr lang="en-US" sz="2000" dirty="0" smtClean="0">
+                <a:solidFill>
+                  <a:srgbClr val="0070C0"/>
+                </a:solidFill>
+              </a:rPr>
+              <a:t>(</a:t>
+            </a:r>
+            <a:r>
+              <a:rPr lang="en-US" sz="2000" dirty="0" err="1" smtClean="0">
+                <a:solidFill>
+                  <a:srgbClr val="0070C0"/>
+                </a:solidFill>
+              </a:rPr>
+              <a:t>Undulator</a:t>
+            </a:r>
+            <a:r>
+              <a:rPr lang="en-US" sz="2000" dirty="0" smtClean="0">
+                <a:solidFill>
+                  <a:srgbClr val="0070C0"/>
+                </a:solidFill>
+              </a:rPr>
+              <a:t> emission</a:t>
+            </a:r>
+            <a:r>
+              <a:rPr lang="en-US" sz="2400" dirty="0" smtClean="0">
+                <a:solidFill>
+                  <a:srgbClr val="0070C0"/>
+                </a:solidFill>
+              </a:rPr>
+              <a:t>)</a:t>
+            </a:r>
+            <a:endParaRPr lang="en-US" sz="3200" dirty="0">
+              <a:solidFill>
+                <a:srgbClr val="0070C0"/>
+              </a:solidFill>
+            </a:endParaRPr>
+          </a:p>
+        </p:txBody>
+      </p:sp>
+      <p:pic>
+        <p:nvPicPr>
+          <p:cNvPr id="5" name="Picture 2"/>
+          <p:cNvPicPr>
+            <a:picLocks noChangeAspect="1" noChangeArrowheads="1"/>
+          </p:cNvPicPr>
+          <p:nvPr/>
+        </p:nvPicPr>
+        <p:blipFill>
+          <a:blip r:embed="rId5" cstate="print"/>
+          <a:srcRect/>
+          <a:stretch>
+            <a:fillRect/>
+          </a:stretch>
+        </p:blipFill>
+        <p:spPr bwMode="auto">
+          <a:xfrm>
+            <a:off x="3896370" y="2967769"/>
+            <a:ext cx="4409430" cy="3890231"/>
+          </a:xfrm>
+          <a:prstGeom prst="rect">
+            <a:avLst/>
+          </a:prstGeom>
+          <a:noFill/>
+          <a:ln w="9525">
+            <a:noFill/>
+            <a:miter lim="800000"/>
+            <a:headEnd/>
+            <a:tailEnd/>
+          </a:ln>
+        </p:spPr>
+      </p:pic>
+      <p:graphicFrame>
+        <p:nvGraphicFramePr>
+          <p:cNvPr id="272388" name="Object 4"/>
+          <p:cNvGraphicFramePr>
+            <a:graphicFrameLocks noChangeAspect="1"/>
+          </p:cNvGraphicFramePr>
+          <p:nvPr/>
+        </p:nvGraphicFramePr>
+        <p:xfrm>
+          <a:off x="3505200" y="1028700"/>
+          <a:ext cx="2519363" cy="723900"/>
+        </p:xfrm>
+        <a:graphic>
+          <a:graphicData uri="http://schemas.openxmlformats.org/presentationml/2006/ole">
+            <mc:AlternateContent xmlns:mc="http://schemas.openxmlformats.org/markup-compatibility/2006">
+              <mc:Choice xmlns:v="urn:schemas-microsoft-com:vml" Requires="v">
+                <p:oleObj spid="_x0000_s54274" name="Equation" r:id="rId6" imgW="1701720" imgH="469800" progId="Equation.DSMT4">
+                  <p:embed/>
+                </p:oleObj>
+              </mc:Choice>
+              <mc:Fallback>
+                <p:oleObj name="Equation" r:id="rId6" imgW="1701720" imgH="469800" progId="Equation.DSMT4">
+                  <p:embed/>
+                  <p:pic>
+                    <p:nvPicPr>
+                      <p:cNvPr id="0" name=""/>
+                      <p:cNvPicPr>
+                        <a:picLocks noChangeAspect="1" noChangeArrowheads="1"/>
+                      </p:cNvPicPr>
+                      <p:nvPr/>
+                    </p:nvPicPr>
+                    <p:blipFill>
+                      <a:blip r:embed="rId7">
+                        <a:extLst>
+                          <a:ext uri="{28A0092B-C50C-407E-A947-70E740481C1C}">
+                            <a14:useLocalDpi xmlns:a14="http://schemas.microsoft.com/office/drawing/2010/main" val="0"/>
+                          </a:ext>
+                        </a:extLst>
+                      </a:blip>
+                      <a:srcRect/>
+                      <a:stretch>
+                        <a:fillRect/>
+                      </a:stretch>
+                    </p:blipFill>
+                    <p:spPr bwMode="auto">
+                      <a:xfrm>
+                        <a:off x="3505200" y="1028700"/>
+                        <a:ext cx="2519363" cy="723900"/>
+                      </a:xfrm>
+                      <a:prstGeom prst="rect">
+                        <a:avLst/>
+                      </a:prstGeom>
+                      <a:solidFill>
+                        <a:srgbClr val="FFFF00"/>
+                      </a:solidFill>
+                      <a:ln w="9525">
+                        <a:solidFill>
+                          <a:srgbClr val="000000"/>
+                        </a:solidFill>
+                        <a:miter lim="800000"/>
+                        <a:headEnd/>
+                        <a:tailEnd/>
+                      </a:ln>
+                    </p:spPr>
+                  </p:pic>
+                </p:oleObj>
+              </mc:Fallback>
+            </mc:AlternateContent>
+          </a:graphicData>
+        </a:graphic>
+      </p:graphicFrame>
+    </p:spTree>
+    <p:extLst>
+      <p:ext uri="{BB962C8B-B14F-4D97-AF65-F5344CB8AC3E}">
+        <p14:creationId xmlns:p14="http://schemas.microsoft.com/office/powerpoint/2010/main" val="1096949634"/>
+      </p:ext>
+    </p:extLst>
+  </p:cSld>
+  <p:clrMapOvr>
+    <a:masterClrMapping/>
+  </p:clrMapOvr>
   <p:timing>
     <p:tnLst>
       <p:par>
@@ -16903,19 +19561,7 @@
               <a:rPr lang="en-US" altLang="en-US" dirty="0" smtClean="0">
                 <a:ea typeface="ＭＳ Ｐゴシック" panose="020B0600070205080204" pitchFamily="34" charset="-128"/>
               </a:rPr>
-              <a:t> ring: electron</a:t>
-            </a:r>
-            <a:r>
-              <a:rPr lang="en-US" altLang="en-US" dirty="0" smtClean="0">
-                <a:ea typeface="ＭＳ Ｐゴシック" panose="020B0600070205080204" pitchFamily="34" charset="-128"/>
-              </a:rPr>
-              <a:t> </a:t>
-            </a:r>
-            <a:r>
-              <a:rPr lang="en-US" altLang="en-US" dirty="0" smtClean="0">
-                <a:ea typeface="ＭＳ Ｐゴシック" panose="020B0600070205080204" pitchFamily="34" charset="-128"/>
-              </a:rPr>
-              <a:t>beam sizes</a:t>
+              <a:t> ring: electron beam sizes</a:t>
             </a:r>
           </a:p>
         </p:txBody>
@@ -16942,7 +19588,7 @@
           <a:graphicData uri="http://schemas.openxmlformats.org/presentationml/2006/ole">
             <mc:AlternateContent xmlns:mc="http://schemas.openxmlformats.org/markup-compatibility/2006">
               <mc:Choice xmlns:v="urn:schemas-microsoft-com:vml" Requires="v">
-                <p:oleObj spid="_x0000_s2147" name="Equation" r:id="rId3" imgW="3060360" imgH="609480" progId="">
+                <p:oleObj spid="_x0000_s2156" name="Equation" r:id="rId3" imgW="3060360" imgH="609480" progId="">
                   <p:embed/>
                 </p:oleObj>
               </mc:Choice>
@@ -17428,7 +20074,7 @@
           <a:graphicData uri="http://schemas.openxmlformats.org/presentationml/2006/ole">
             <mc:AlternateContent xmlns:mc="http://schemas.openxmlformats.org/markup-compatibility/2006">
               <mc:Choice xmlns:v="urn:schemas-microsoft-com:vml" Requires="v">
-                <p:oleObj spid="_x0000_s2148" name="Equation" r:id="rId5" imgW="1549080" imgH="444240" progId="">
+                <p:oleObj spid="_x0000_s2157" name="Equation" r:id="rId5" imgW="1549080" imgH="444240" progId="">
                   <p:embed/>
                 </p:oleObj>
               </mc:Choice>
@@ -17527,7 +20173,7 @@
           <a:graphicData uri="http://schemas.openxmlformats.org/presentationml/2006/ole">
             <mc:AlternateContent xmlns:mc="http://schemas.openxmlformats.org/markup-compatibility/2006">
               <mc:Choice xmlns:v="urn:schemas-microsoft-com:vml" Requires="v">
-                <p:oleObj spid="_x0000_s2149" name="Equation" r:id="rId7" imgW="3619440" imgH="482400" progId="">
+                <p:oleObj spid="_x0000_s2158" name="Equation" r:id="rId7" imgW="3619440" imgH="482400" progId="">
                   <p:embed/>
                 </p:oleObj>
               </mc:Choice>
@@ -17626,7 +20272,7 @@
           <a:graphicData uri="http://schemas.openxmlformats.org/presentationml/2006/ole">
             <mc:AlternateContent xmlns:mc="http://schemas.openxmlformats.org/markup-compatibility/2006">
               <mc:Choice xmlns:v="urn:schemas-microsoft-com:vml" Requires="v">
-                <p:oleObj spid="_x0000_s2150" name="Equation" r:id="rId9" imgW="4000320" imgH="330120" progId="">
+                <p:oleObj spid="_x0000_s2159" name="Equation" r:id="rId9" imgW="4000320" imgH="330120" progId="">
                   <p:embed/>
                 </p:oleObj>
               </mc:Choice>
@@ -18807,11 +21453,11 @@
   <p:clrMapOvr>
     <a:masterClrMapping/>
   </p:clrMapOvr>
-  <mc:AlternateContent xmlns:mc="http://schemas.openxmlformats.org/markup-compatibility/2006">
-    <mc:Choice xmlns:p14="http://schemas.microsoft.com/office/powerpoint/2010/main" Requires="p14">
+  <mc:AlternateContent xmlns:mc="http://schemas.openxmlformats.org/markup-compatibility/2006" xmlns:p14="http://schemas.microsoft.com/office/powerpoint/2010/main">
+    <mc:Choice Requires="p14">
       <p:transition spd="slow" p14:dur="2000"/>
     </mc:Choice>
-    <mc:Fallback>
+    <mc:Fallback xmlns="">
       <p:transition xmlns:p14="http://schemas.microsoft.com/office/powerpoint/2010/main" spd="slow"/>
     </mc:Fallback>
   </mc:AlternateContent>
@@ -18872,19 +21518,7 @@
               <a:rPr lang="en-US" altLang="en-US" sz="2000" b="1" dirty="0" smtClean="0">
                 <a:ea typeface="ＭＳ Ｐゴシック" panose="020B0600070205080204" pitchFamily="34" charset="-128"/>
               </a:rPr>
-              <a:t> emission (single electron </a:t>
-            </a:r>
-            <a:r>
-              <a:rPr lang="en-US" altLang="en-US" sz="2000" b="1" dirty="0" smtClean="0">
-                <a:ea typeface="ＭＳ Ｐゴシック" panose="020B0600070205080204" pitchFamily="34" charset="-128"/>
-              </a:rPr>
-              <a:t>or filament beam or</a:t>
-            </a:r>
-            <a:r>
-              <a:rPr lang="en-US" altLang="en-US" sz="2000" b="1" dirty="0" smtClean="0">
-                <a:ea typeface="ＭＳ Ｐゴシック" panose="020B0600070205080204" pitchFamily="34" charset="-128"/>
-              </a:rPr>
-              <a:t> zero </a:t>
+              <a:t> emission (single electron or filament beam or zero </a:t>
             </a:r>
             <a:r>
               <a:rPr lang="en-US" altLang="en-US" sz="2000" b="1" dirty="0" err="1" smtClean="0">
@@ -18919,13 +21553,7 @@
               <a:rPr lang="en-US" altLang="en-US" sz="1600" dirty="0" smtClean="0">
                 <a:ea typeface="ＭＳ Ｐゴシック" panose="020B0600070205080204" pitchFamily="34" charset="-128"/>
               </a:rPr>
-              <a:t> </a:t>
-            </a:r>
-            <a:r>
-              <a:rPr lang="en-US" altLang="en-US" sz="1600" dirty="0" smtClean="0">
-                <a:ea typeface="ＭＳ Ｐゴシック" panose="020B0600070205080204" pitchFamily="34" charset="-128"/>
-              </a:rPr>
-              <a:t>&amp; </a:t>
+              <a:t> &amp; </a:t>
             </a:r>
             <a:r>
               <a:rPr lang="en-US" altLang="en-US" sz="1600" dirty="0" err="1" smtClean="0">
@@ -18955,13 +21583,7 @@
               <a:rPr lang="en-US" altLang="en-US" sz="1600" dirty="0" smtClean="0">
                 <a:ea typeface="ＭＳ Ｐゴシック" panose="020B0600070205080204" pitchFamily="34" charset="-128"/>
               </a:rPr>
-              <a:t>, Wigglers  and their applications, CRC press, </a:t>
-            </a:r>
-            <a:r>
-              <a:rPr lang="en-US" altLang="en-US" sz="1600" dirty="0" smtClean="0">
-                <a:ea typeface="ＭＳ Ｐゴシック" panose="020B0600070205080204" pitchFamily="34" charset="-128"/>
-              </a:rPr>
-              <a:t>2002</a:t>
+              <a:t>, Wigglers  and their applications, CRC press, 2002</a:t>
             </a:r>
             <a:r>
               <a:rPr lang="en-US" altLang="en-US" sz="1600" b="1" dirty="0">
@@ -19051,7 +21673,7 @@
           <a:graphicData uri="http://schemas.openxmlformats.org/presentationml/2006/ole">
             <mc:AlternateContent xmlns:mc="http://schemas.openxmlformats.org/markup-compatibility/2006">
               <mc:Choice xmlns:v="urn:schemas-microsoft-com:vml" Requires="v">
-                <p:oleObj spid="_x0000_s49210" name="Equation" r:id="rId4" imgW="1333440" imgH="444240" progId="">
+                <p:oleObj spid="_x0000_s49217" name="Equation" r:id="rId4" imgW="1333440" imgH="444240" progId="">
                   <p:embed/>
                 </p:oleObj>
               </mc:Choice>
@@ -19150,7 +21772,7 @@
           <a:graphicData uri="http://schemas.openxmlformats.org/presentationml/2006/ole">
             <mc:AlternateContent xmlns:mc="http://schemas.openxmlformats.org/markup-compatibility/2006">
               <mc:Choice xmlns:v="urn:schemas-microsoft-com:vml" Requires="v">
-                <p:oleObj spid="_x0000_s49211" name="Equation" r:id="rId6" imgW="1574640" imgH="444240" progId="">
+                <p:oleObj spid="_x0000_s49218" name="Equation" r:id="rId6" imgW="1574640" imgH="444240" progId="">
                   <p:embed/>
                 </p:oleObj>
               </mc:Choice>
@@ -19216,7 +21838,7 @@
           <a:graphicData uri="http://schemas.openxmlformats.org/presentationml/2006/ole">
             <mc:AlternateContent xmlns:mc="http://schemas.openxmlformats.org/markup-compatibility/2006">
               <mc:Choice xmlns:v="urn:schemas-microsoft-com:vml" Requires="v">
-                <p:oleObj spid="_x0000_s49212" name="Equation" r:id="rId8" imgW="1244520" imgH="393480" progId="">
+                <p:oleObj spid="_x0000_s49219" name="Equation" r:id="rId8" imgW="1244520" imgH="393480" progId="">
                   <p:embed/>
                 </p:oleObj>
               </mc:Choice>
@@ -20746,7 +23368,7 @@
           <a:graphicData uri="http://schemas.openxmlformats.org/presentationml/2006/ole">
             <mc:AlternateContent xmlns:mc="http://schemas.openxmlformats.org/markup-compatibility/2006">
               <mc:Choice xmlns:v="urn:schemas-microsoft-com:vml" Requires="v">
-                <p:oleObj spid="_x0000_s5180" name="Equation" r:id="rId4" imgW="1968480" imgH="787320" progId="Equation.DSMT4">
+                <p:oleObj spid="_x0000_s5185" name="Equation" r:id="rId4" imgW="1968480" imgH="787320" progId="Equation.DSMT4">
                   <p:embed/>
                 </p:oleObj>
               </mc:Choice>
@@ -20822,7 +23444,7 @@
           <a:graphicData uri="http://schemas.openxmlformats.org/presentationml/2006/ole">
             <mc:AlternateContent xmlns:mc="http://schemas.openxmlformats.org/markup-compatibility/2006">
               <mc:Choice xmlns:v="urn:schemas-microsoft-com:vml" Requires="v">
-                <p:oleObj spid="_x0000_s5181" name="Equation" r:id="rId6" imgW="2031840" imgH="787320" progId="Equation.DSMT4">
+                <p:oleObj spid="_x0000_s5186" name="Equation" r:id="rId6" imgW="2031840" imgH="787320" progId="Equation.DSMT4">
                   <p:embed/>
                 </p:oleObj>
               </mc:Choice>
@@ -21115,23 +23737,8 @@
               <a:rPr lang="en-US" altLang="en-US" sz="2400" dirty="0" smtClean="0">
                 <a:ea typeface="ＭＳ Ｐゴシック" panose="020B0600070205080204" pitchFamily="34" charset="-128"/>
               </a:rPr>
-              <a:t>Ellipsoid: Point </a:t>
-            </a:r>
-            <a:r>
-              <a:rPr lang="en-US" altLang="en-US" sz="2400" dirty="0" smtClean="0">
-                <a:ea typeface="ＭＳ Ｐゴシック" panose="020B0600070205080204" pitchFamily="34" charset="-128"/>
-              </a:rPr>
-              <a:t>to point </a:t>
-            </a:r>
-            <a:r>
-              <a:rPr lang="en-US" altLang="en-US" sz="2400" dirty="0" smtClean="0">
-                <a:ea typeface="ＭＳ Ｐゴシック" panose="020B0600070205080204" pitchFamily="34" charset="-128"/>
-              </a:rPr>
-              <a:t>focusing</a:t>
-            </a:r>
-            <a:endParaRPr lang="en-US" altLang="en-US" sz="2400" dirty="0" smtClean="0">
-              <a:ea typeface="ＭＳ Ｐゴシック" panose="020B0600070205080204" pitchFamily="34" charset="-128"/>
-            </a:endParaRPr>
+              <a:t>Ellipsoid: Point to point focusing</a:t>
+            </a:r>
           </a:p>
           <a:p>
             <a:pPr>
@@ -21151,9 +23758,6 @@
               </a:rPr>
               <a:t>: Collimating</a:t>
             </a:r>
-            <a:endParaRPr lang="en-US" altLang="en-US" sz="2400" dirty="0" smtClean="0">
-              <a:ea typeface="ＭＳ Ｐゴシック" panose="020B0600070205080204" pitchFamily="34" charset="-128"/>
-            </a:endParaRPr>
           </a:p>
           <a:p>
             <a:pPr>
@@ -21241,25 +23845,7 @@
                 </a:solidFill>
                 <a:ea typeface="ＭＳ Ｐゴシック" panose="020B0600070205080204" pitchFamily="34" charset="-128"/>
               </a:rPr>
-              <a:t>Easier </a:t>
-            </a:r>
-            <a:r>
-              <a:rPr lang="en-US" altLang="en-US" sz="2400" dirty="0" smtClean="0">
-                <a:solidFill>
-                  <a:schemeClr val="hlink"/>
-                </a:solidFill>
-                <a:ea typeface="ＭＳ Ｐゴシック" panose="020B0600070205080204" pitchFamily="34" charset="-128"/>
-              </a:rPr>
-              <a:t>manufacturing</a:t>
-            </a:r>
-            <a:r>
-              <a:rPr lang="en-US" altLang="en-US" sz="2400" dirty="0" smtClean="0">
-                <a:solidFill>
-                  <a:schemeClr val="hlink"/>
-                </a:solidFill>
-                <a:ea typeface="ＭＳ Ｐゴシック" panose="020B0600070205080204" pitchFamily="34" charset="-128"/>
-              </a:rPr>
-              <a:t>: </a:t>
+              <a:t>Easier manufacturing: </a:t>
             </a:r>
           </a:p>
           <a:p>
@@ -21320,23 +23906,8 @@
               <a:rPr lang="en-US" altLang="en-US" sz="2400" dirty="0" smtClean="0">
                 <a:ea typeface="ＭＳ Ｐゴシック" panose="020B0600070205080204" pitchFamily="34" charset="-128"/>
               </a:rPr>
-              <a:t>All </a:t>
-            </a:r>
-            <a:r>
-              <a:rPr lang="en-US" altLang="en-US" sz="2400" dirty="0" smtClean="0">
-                <a:ea typeface="ＭＳ Ｐゴシック" panose="020B0600070205080204" pitchFamily="34" charset="-128"/>
-              </a:rPr>
-              <a:t>mirrors produce a</a:t>
-            </a:r>
-            <a:r>
-              <a:rPr lang="en-US" altLang="en-US" sz="2400" dirty="0" smtClean="0">
-                <a:ea typeface="ＭＳ Ｐゴシック" panose="020B0600070205080204" pitchFamily="34" charset="-128"/>
-              </a:rPr>
-              <a:t>berrations</a:t>
-            </a:r>
-            <a:endParaRPr lang="en-US" altLang="en-US" sz="2400" dirty="0" smtClean="0">
-              <a:ea typeface="ＭＳ Ｐゴシック" panose="020B0600070205080204" pitchFamily="34" charset="-128"/>
-            </a:endParaRPr>
+              <a:t>All mirrors produce aberrations</a:t>
+            </a:r>
           </a:p>
         </p:txBody>
       </p:sp>
@@ -21407,25 +23978,7 @@
               <a:rPr lang="en-US" altLang="en-US" sz="3600" dirty="0" smtClean="0">
                 <a:ea typeface="ＭＳ Ｐゴシック" panose="020B0600070205080204" pitchFamily="34" charset="-128"/>
               </a:rPr>
-              <a:t>Geometrical </a:t>
-            </a:r>
-            <a:r>
-              <a:rPr lang="en-US" altLang="en-US" sz="3600" dirty="0" smtClean="0">
-                <a:ea typeface="ＭＳ Ｐゴシック" panose="020B0600070205080204" pitchFamily="34" charset="-128"/>
-              </a:rPr>
-              <a:t>model        </a:t>
-            </a:r>
-            <a:r>
-              <a:rPr lang="en-US" altLang="en-US" sz="3600" dirty="0" smtClean="0">
-                <a:ea typeface="ＭＳ Ｐゴシック" panose="020B0600070205080204" pitchFamily="34" charset="-128"/>
-              </a:rPr>
-              <a:t>Physical </a:t>
-            </a:r>
-            <a:r>
-              <a:rPr lang="en-US" altLang="en-US" sz="3600" dirty="0" smtClean="0">
-                <a:ea typeface="ＭＳ Ｐゴシック" panose="020B0600070205080204" pitchFamily="34" charset="-128"/>
-              </a:rPr>
-              <a:t>model</a:t>
+              <a:t>Geometrical model        Physical model</a:t>
             </a:r>
             <a:br>
               <a:rPr lang="en-US" altLang="en-US" sz="3600" dirty="0" smtClean="0">
@@ -22142,7 +24695,7 @@
           <a:graphicData uri="http://schemas.openxmlformats.org/presentationml/2006/ole">
             <mc:AlternateContent xmlns:mc="http://schemas.openxmlformats.org/markup-compatibility/2006">
               <mc:Choice xmlns:v="urn:schemas-microsoft-com:vml" Requires="v">
-                <p:oleObj spid="_x0000_s6181" name="Equation" r:id="rId4" imgW="2997000" imgH="507960" progId="Equation.DSMT4">
+                <p:oleObj spid="_x0000_s6184" name="Equation" r:id="rId4" imgW="2997000" imgH="507960" progId="Equation.DSMT4">
                   <p:embed/>
                 </p:oleObj>
               </mc:Choice>
